--- a/presentacion sustentacion.pptx
+++ b/presentacion sustentacion.pptx
@@ -7,6 +7,8 @@
   <p:sldIdLst>
     <p:sldId id="256" r:id="rId2"/>
     <p:sldId id="257" r:id="rId3"/>
+    <p:sldId id="259" r:id="rId4"/>
+    <p:sldId id="258" r:id="rId5"/>
   </p:sldIdLst>
   <p:sldSz cx="9144000" cy="6858000" type="screen4x3"/>
   <p:notesSz cx="6858000" cy="9144000"/>
@@ -3095,6 +3097,13 @@
   <p:clrMapOvr>
     <a:masterClrMapping/>
   </p:clrMapOvr>
+  <p:timing>
+    <p:tnLst>
+      <p:par>
+        <p:cTn id="1" dur="indefinite" restart="never" nodeType="tmRoot"/>
+      </p:par>
+    </p:tnLst>
+  </p:timing>
 </p:sld>
 </file>
 
@@ -3128,12 +3137,12 @@
         <p:spPr>
           <a:xfrm>
             <a:off x="457200" y="274638"/>
-            <a:ext cx="8229600" cy="511156"/>
+            <a:ext cx="8229600" cy="796908"/>
           </a:xfrm>
         </p:spPr>
         <p:txBody>
           <a:bodyPr>
-            <a:normAutofit fontScale="90000"/>
+            <a:normAutofit/>
           </a:bodyPr>
           <a:lstStyle/>
           <a:p>
@@ -3157,13 +3166,13 @@
         </p:nvSpPr>
         <p:spPr>
           <a:xfrm>
-            <a:off x="457200" y="714356"/>
-            <a:ext cx="8229600" cy="5929354"/>
+            <a:off x="457200" y="1357298"/>
+            <a:ext cx="8229600" cy="5286412"/>
           </a:xfrm>
         </p:spPr>
         <p:txBody>
-          <a:bodyPr numCol="2">
-            <a:normAutofit fontScale="25000" lnSpcReduction="20000"/>
+          <a:bodyPr numCol="1">
+            <a:normAutofit fontScale="70000" lnSpcReduction="20000"/>
           </a:bodyPr>
           <a:lstStyle/>
           <a:p>
@@ -3175,829 +3184,96 @@
           <a:p>
             <a:r>
               <a:rPr lang="es-ES" dirty="0" smtClean="0"/>
-              <a:t>Características Principales:</a:t>
-            </a:r>
-          </a:p>
-          <a:p>
-            <a:pPr lvl="1"/>
-            <a:r>
-              <a:rPr lang="es-ES" dirty="0" smtClean="0"/>
-              <a:t>Protocolos</a:t>
-            </a:r>
-          </a:p>
-          <a:p>
-            <a:pPr lvl="1"/>
-            <a:r>
-              <a:rPr lang="es-ES" dirty="0" smtClean="0"/>
-              <a:t>Equipos (</a:t>
-            </a:r>
-            <a:r>
-              <a:rPr lang="es-ES" dirty="0" err="1" smtClean="0"/>
-              <a:t>Multivendor</a:t>
-            </a:r>
-            <a:r>
-              <a:rPr lang="es-ES" dirty="0" smtClean="0"/>
-              <a:t>)</a:t>
-            </a:r>
-          </a:p>
-          <a:p>
-            <a:pPr lvl="1"/>
-            <a:r>
-              <a:rPr lang="es-ES" dirty="0" smtClean="0"/>
-              <a:t>Modelo OSI</a:t>
-            </a:r>
-          </a:p>
-          <a:p>
-            <a:pPr lvl="1"/>
-            <a:r>
-              <a:rPr lang="es-ES" dirty="0" smtClean="0"/>
-              <a:t>Puntas de medición (</a:t>
-            </a:r>
-            <a:r>
-              <a:rPr lang="es-ES" dirty="0" err="1" smtClean="0"/>
-              <a:t>sniffer</a:t>
-            </a:r>
-            <a:r>
-              <a:rPr lang="es-ES" dirty="0" smtClean="0"/>
-              <a:t>)</a:t>
-            </a:r>
-          </a:p>
-          <a:p>
-            <a:pPr lvl="1"/>
-            <a:r>
-              <a:rPr lang="es-ES" dirty="0" smtClean="0"/>
-              <a:t>Acceso Compartido</a:t>
-            </a:r>
-          </a:p>
-          <a:p>
-            <a:pPr lvl="1"/>
-            <a:r>
-              <a:rPr lang="es-ES" dirty="0" smtClean="0"/>
-              <a:t>Acceso a base de datos</a:t>
-            </a:r>
-          </a:p>
-          <a:p>
-            <a:pPr lvl="1"/>
-            <a:r>
-              <a:rPr lang="en-GB" dirty="0" smtClean="0"/>
-              <a:t>Real-Time and Simulation Modes</a:t>
-            </a:r>
-          </a:p>
-          <a:p>
-            <a:pPr lvl="1"/>
+              <a:t>Características Principales</a:t>
+            </a:r>
+          </a:p>
+          <a:p>
+            <a:r>
+              <a:rPr lang="es-ES" dirty="0" smtClean="0"/>
+              <a:t>Arquitectura de la </a:t>
+            </a:r>
+            <a:r>
+              <a:rPr lang="es-ES" dirty="0" smtClean="0"/>
+              <a:t>herramienta</a:t>
+            </a:r>
             <a:endParaRPr lang="es-ES" dirty="0" smtClean="0"/>
           </a:p>
           <a:p>
             <a:r>
               <a:rPr lang="es-ES" dirty="0" smtClean="0"/>
-              <a:t>Arquitectura</a:t>
-            </a:r>
-          </a:p>
-          <a:p>
-            <a:pPr lvl="1"/>
-            <a:r>
-              <a:rPr lang="es-ES" dirty="0" smtClean="0"/>
-              <a:t>POO</a:t>
-            </a:r>
-          </a:p>
-          <a:p>
-            <a:pPr lvl="1"/>
-            <a:r>
-              <a:rPr lang="es-ES" dirty="0" smtClean="0"/>
-              <a:t>N TIER</a:t>
-            </a:r>
-          </a:p>
-          <a:p>
-            <a:pPr lvl="1"/>
-            <a:r>
-              <a:rPr lang="es-ES" dirty="0" smtClean="0"/>
-              <a:t>MVP</a:t>
-            </a:r>
-          </a:p>
-          <a:p>
-            <a:pPr lvl="1"/>
-            <a:r>
-              <a:rPr lang="es-ES" dirty="0" smtClean="0"/>
-              <a:t>Diagrama de Clases</a:t>
-            </a:r>
-          </a:p>
-          <a:p>
-            <a:pPr lvl="1"/>
-            <a:r>
-              <a:rPr lang="es-ES" dirty="0" smtClean="0"/>
-              <a:t>Diagrama de base de datos</a:t>
-            </a:r>
-          </a:p>
-          <a:p>
-            <a:pPr lvl="1"/>
-            <a:r>
-              <a:rPr lang="es-ES" dirty="0" smtClean="0"/>
-              <a:t>Organización de la </a:t>
-            </a:r>
-            <a:r>
-              <a:rPr lang="es-ES" dirty="0" err="1" smtClean="0"/>
-              <a:t>solucion</a:t>
-            </a:r>
-            <a:r>
-              <a:rPr lang="es-ES" dirty="0" smtClean="0"/>
-              <a:t> en VS</a:t>
-            </a:r>
-          </a:p>
-          <a:p>
-            <a:r>
-              <a:rPr lang="es-ES" dirty="0" smtClean="0"/>
-              <a:t>Campos de Acción(Beneficios):</a:t>
-            </a:r>
-          </a:p>
-          <a:p>
-            <a:pPr lvl="1"/>
-            <a:r>
-              <a:rPr lang="es-ES" dirty="0" smtClean="0"/>
-              <a:t>Educativo</a:t>
-            </a:r>
-          </a:p>
-          <a:p>
-            <a:pPr lvl="1"/>
+              <a:t>Campos de Acción de la herramienta</a:t>
+            </a:r>
+            <a:endParaRPr lang="es-ES" dirty="0" smtClean="0"/>
+          </a:p>
+          <a:p>
+            <a:r>
+              <a:rPr lang="es-ES" dirty="0" smtClean="0"/>
+              <a:t>Tecnologías Usadas durante el proyecto	</a:t>
+            </a:r>
+          </a:p>
+          <a:p>
+            <a:r>
+              <a:rPr lang="es-ES" dirty="0" smtClean="0"/>
+              <a:t>Desarrollo del proyecto</a:t>
+            </a:r>
+          </a:p>
+          <a:p>
+            <a:r>
+              <a:rPr lang="es-ES" dirty="0" smtClean="0"/>
+              <a:t>Extensibilidad de la </a:t>
+            </a:r>
+            <a:r>
+              <a:rPr lang="es-ES" dirty="0" smtClean="0"/>
+              <a:t>herramienta</a:t>
+            </a:r>
+            <a:endParaRPr lang="es-ES" dirty="0" smtClean="0"/>
+          </a:p>
+          <a:p>
+            <a:r>
+              <a:rPr lang="es-ES" dirty="0" smtClean="0"/>
+              <a:t>Documentación y mantenimiento de la herramienta</a:t>
+            </a:r>
+            <a:endParaRPr lang="es-ES" dirty="0" smtClean="0"/>
+          </a:p>
+          <a:p>
+            <a:r>
+              <a:rPr lang="es-ES" dirty="0" smtClean="0"/>
+              <a:t>Expectativas  de la </a:t>
+            </a:r>
+            <a:r>
+              <a:rPr lang="es-ES" dirty="0" smtClean="0"/>
+              <a:t>herramienta </a:t>
+            </a:r>
+            <a:r>
+              <a:rPr lang="es-ES" dirty="0" smtClean="0"/>
+              <a:t>:</a:t>
+            </a:r>
+          </a:p>
+          <a:p>
+            <a:r>
+              <a:rPr lang="es-ES" dirty="0" smtClean="0"/>
+              <a:t>Comparación con otros </a:t>
+            </a:r>
+            <a:r>
+              <a:rPr lang="es-ES" dirty="0" smtClean="0"/>
+              <a:t>herramientas similares</a:t>
+            </a:r>
+            <a:endParaRPr lang="es-ES" dirty="0" smtClean="0"/>
+          </a:p>
+          <a:p>
+            <a:r>
+              <a:rPr lang="es-ES" dirty="0" smtClean="0"/>
+              <a:t>Visión Educativa:</a:t>
+            </a:r>
+          </a:p>
+          <a:p>
+            <a:r>
+              <a:rPr lang="es-ES" dirty="0" smtClean="0"/>
+              <a:t>Visión </a:t>
+            </a:r>
             <a:r>
               <a:rPr lang="es-ES" dirty="0" smtClean="0"/>
               <a:t>Empresarial</a:t>
-            </a:r>
-          </a:p>
-          <a:p>
-            <a:pPr lvl="1"/>
-            <a:endParaRPr lang="es-ES" dirty="0" smtClean="0"/>
-          </a:p>
-          <a:p>
-            <a:r>
-              <a:rPr lang="es-ES" dirty="0" smtClean="0"/>
-              <a:t>Tecnologías Usadas:</a:t>
-            </a:r>
-          </a:p>
-          <a:p>
-            <a:pPr lvl="1"/>
-            <a:r>
-              <a:rPr lang="es-ES" dirty="0" err="1" smtClean="0"/>
-              <a:t>.net</a:t>
-            </a:r>
-            <a:r>
-              <a:rPr lang="es-ES" dirty="0" smtClean="0"/>
-              <a:t> </a:t>
-            </a:r>
-            <a:r>
-              <a:rPr lang="es-ES" dirty="0" err="1" smtClean="0"/>
-              <a:t>framework</a:t>
-            </a:r>
-            <a:endParaRPr lang="es-ES" dirty="0" smtClean="0"/>
-          </a:p>
-          <a:p>
-            <a:pPr lvl="2"/>
-            <a:r>
-              <a:rPr lang="es-ES" dirty="0" err="1" smtClean="0"/>
-              <a:t>Definicion</a:t>
-            </a:r>
-            <a:endParaRPr lang="es-ES" dirty="0" smtClean="0"/>
-          </a:p>
-          <a:p>
-            <a:pPr lvl="2"/>
-            <a:r>
-              <a:rPr lang="es-ES" dirty="0" err="1" smtClean="0"/>
-              <a:t>.Net</a:t>
-            </a:r>
-            <a:r>
-              <a:rPr lang="es-ES" dirty="0" smtClean="0"/>
-              <a:t> sobre Java </a:t>
-            </a:r>
-            <a:r>
-              <a:rPr lang="es-ES" dirty="0" err="1" smtClean="0"/>
-              <a:t>porq</a:t>
-            </a:r>
-            <a:r>
-              <a:rPr lang="es-ES" dirty="0" smtClean="0"/>
-              <a:t> </a:t>
-            </a:r>
-            <a:r>
-              <a:rPr lang="es-ES" dirty="0" err="1" smtClean="0"/>
-              <a:t>.net</a:t>
-            </a:r>
-            <a:r>
-              <a:rPr lang="es-ES" dirty="0"/>
-              <a:t>¿</a:t>
-            </a:r>
-            <a:endParaRPr lang="es-ES" dirty="0" smtClean="0"/>
-          </a:p>
-          <a:p>
-            <a:pPr lvl="2"/>
-            <a:r>
-              <a:rPr lang="es-ES" dirty="0" smtClean="0"/>
-              <a:t>Arquitectura</a:t>
-            </a:r>
-          </a:p>
-          <a:p>
-            <a:pPr lvl="2"/>
-            <a:r>
-              <a:rPr lang="es-ES" dirty="0" err="1" smtClean="0"/>
-              <a:t>Multi</a:t>
-            </a:r>
-            <a:r>
-              <a:rPr lang="es-ES" dirty="0" smtClean="0"/>
-              <a:t> </a:t>
-            </a:r>
-            <a:r>
-              <a:rPr lang="es-ES" dirty="0" err="1" smtClean="0"/>
-              <a:t>Threading</a:t>
-            </a:r>
-            <a:endParaRPr lang="es-ES" dirty="0" smtClean="0"/>
-          </a:p>
-          <a:p>
-            <a:pPr lvl="2"/>
-            <a:r>
-              <a:rPr lang="es-ES" dirty="0" smtClean="0"/>
-              <a:t>LINQ</a:t>
-            </a:r>
-          </a:p>
-          <a:p>
-            <a:pPr lvl="2"/>
-            <a:r>
-              <a:rPr lang="es-ES" dirty="0" smtClean="0"/>
-              <a:t>WCF</a:t>
-            </a:r>
-          </a:p>
-          <a:p>
-            <a:pPr lvl="1"/>
-            <a:r>
-              <a:rPr lang="es-ES" dirty="0" err="1" smtClean="0"/>
-              <a:t>Subversion</a:t>
-            </a:r>
-            <a:endParaRPr lang="es-ES" dirty="0" smtClean="0"/>
-          </a:p>
-          <a:p>
-            <a:pPr lvl="1"/>
-            <a:r>
-              <a:rPr lang="es-ES" dirty="0" err="1" smtClean="0"/>
-              <a:t>Clickonce</a:t>
-            </a:r>
-            <a:r>
-              <a:rPr lang="es-ES" dirty="0" smtClean="0"/>
-              <a:t> </a:t>
-            </a:r>
-            <a:r>
-              <a:rPr lang="es-ES" dirty="0" err="1" smtClean="0"/>
-              <a:t>Smart</a:t>
-            </a:r>
-            <a:r>
-              <a:rPr lang="es-ES" dirty="0" smtClean="0"/>
-              <a:t> </a:t>
-            </a:r>
-            <a:r>
-              <a:rPr lang="es-ES" dirty="0" err="1" smtClean="0"/>
-              <a:t>Client</a:t>
-            </a:r>
-            <a:endParaRPr lang="es-ES" dirty="0" smtClean="0"/>
-          </a:p>
-          <a:p>
-            <a:pPr lvl="1"/>
-            <a:r>
-              <a:rPr lang="es-ES" dirty="0" smtClean="0"/>
-              <a:t>SQL Server Compact </a:t>
-            </a:r>
-            <a:r>
-              <a:rPr lang="es-ES" dirty="0" err="1" smtClean="0"/>
-              <a:t>Edition</a:t>
-            </a:r>
-            <a:r>
-              <a:rPr lang="es-ES" dirty="0" smtClean="0"/>
-              <a:t>.</a:t>
-            </a:r>
-          </a:p>
-          <a:p>
-            <a:pPr lvl="1"/>
-            <a:r>
-              <a:rPr lang="es-ES" dirty="0" smtClean="0"/>
-              <a:t>Visual Studio Express 2008</a:t>
-            </a:r>
-          </a:p>
-          <a:p>
-            <a:pPr lvl="1">
-              <a:buNone/>
-            </a:pPr>
-            <a:r>
-              <a:rPr lang="es-ES" dirty="0" smtClean="0"/>
-              <a:t>		</a:t>
-            </a:r>
-          </a:p>
-          <a:p>
-            <a:r>
-              <a:rPr lang="es-ES" dirty="0" smtClean="0"/>
-              <a:t>Desarrollo</a:t>
-            </a:r>
-          </a:p>
-          <a:p>
-            <a:pPr lvl="1"/>
-            <a:r>
-              <a:rPr lang="es-ES" dirty="0" smtClean="0"/>
-              <a:t>Estandarización de código</a:t>
-            </a:r>
-          </a:p>
-          <a:p>
-            <a:pPr lvl="1"/>
-            <a:r>
-              <a:rPr lang="es-ES" dirty="0" smtClean="0"/>
-              <a:t>Metodologías tradicionales</a:t>
-            </a:r>
-          </a:p>
-          <a:p>
-            <a:pPr lvl="1"/>
-            <a:r>
-              <a:rPr lang="es-ES" dirty="0" smtClean="0"/>
-              <a:t>Metodologías Agiles</a:t>
-            </a:r>
-          </a:p>
-          <a:p>
-            <a:pPr lvl="1"/>
-            <a:r>
-              <a:rPr lang="es-ES" dirty="0" err="1" smtClean="0"/>
-              <a:t>Refactoring</a:t>
-            </a:r>
-            <a:r>
-              <a:rPr lang="es-ES" dirty="0" smtClean="0"/>
-              <a:t> </a:t>
-            </a:r>
-            <a:endParaRPr lang="es-ES" dirty="0" smtClean="0"/>
-          </a:p>
-          <a:p>
-            <a:pPr lvl="1"/>
-            <a:r>
-              <a:rPr lang="es-ES" dirty="0" smtClean="0"/>
-              <a:t>Proceso llevado durante el proyecto</a:t>
-            </a:r>
-          </a:p>
-          <a:p>
-            <a:r>
-              <a:rPr lang="es-ES" dirty="0" smtClean="0"/>
-              <a:t>Extensibilidad</a:t>
-            </a:r>
-          </a:p>
-          <a:p>
-            <a:pPr lvl="1"/>
-            <a:r>
-              <a:rPr lang="es-ES" dirty="0" smtClean="0"/>
-              <a:t>Repositorio centralizado (Gracias  a)</a:t>
-            </a:r>
-          </a:p>
-          <a:p>
-            <a:pPr lvl="1"/>
-            <a:r>
-              <a:rPr lang="es-ES" dirty="0" smtClean="0"/>
-              <a:t>Nuevos Equipos</a:t>
-            </a:r>
-          </a:p>
-          <a:p>
-            <a:pPr lvl="1"/>
-            <a:r>
-              <a:rPr lang="es-ES" dirty="0" smtClean="0"/>
-              <a:t>Nuevo Protocolos</a:t>
-            </a:r>
-          </a:p>
-          <a:p>
-            <a:pPr lvl="1"/>
-            <a:r>
-              <a:rPr lang="es-ES" dirty="0" smtClean="0"/>
-              <a:t>Especialización en equipos y protocolos</a:t>
-            </a:r>
-          </a:p>
-          <a:p>
-            <a:pPr lvl="1"/>
-            <a:r>
-              <a:rPr lang="es-ES" dirty="0" smtClean="0"/>
-              <a:t>Nuevos Clientes de Base de Datos</a:t>
-            </a:r>
-          </a:p>
-          <a:p>
-            <a:pPr lvl="1"/>
-            <a:r>
-              <a:rPr lang="es-ES" dirty="0" smtClean="0"/>
-              <a:t>Nuevas Visualizaciones (WPF WEB)</a:t>
-            </a:r>
-          </a:p>
-          <a:p>
-            <a:pPr lvl="1"/>
-            <a:r>
-              <a:rPr lang="es-ES" dirty="0" smtClean="0"/>
-              <a:t>Comunicación entre equipos (SOA)</a:t>
-            </a:r>
-          </a:p>
-          <a:p>
-            <a:r>
-              <a:rPr lang="es-ES" dirty="0" err="1" smtClean="0"/>
-              <a:t>Documentacion</a:t>
-            </a:r>
-            <a:r>
-              <a:rPr lang="es-ES" dirty="0" smtClean="0"/>
-              <a:t> y mantenimiento de la herramienta</a:t>
-            </a:r>
-          </a:p>
-          <a:p>
-            <a:pPr lvl="1"/>
-            <a:r>
-              <a:rPr lang="es-ES" dirty="0" err="1" smtClean="0"/>
-              <a:t>Gestion</a:t>
-            </a:r>
-            <a:r>
-              <a:rPr lang="es-ES" dirty="0" smtClean="0"/>
-              <a:t> del producto</a:t>
-            </a:r>
-          </a:p>
-          <a:p>
-            <a:pPr lvl="1"/>
-            <a:r>
-              <a:rPr lang="es-ES" dirty="0" smtClean="0"/>
-              <a:t>Material Audiovisual</a:t>
-            </a:r>
-          </a:p>
-          <a:p>
-            <a:pPr lvl="1"/>
-            <a:r>
-              <a:rPr lang="es-ES" dirty="0" smtClean="0"/>
-              <a:t>FAQ</a:t>
-            </a:r>
-          </a:p>
-          <a:p>
-            <a:pPr lvl="1"/>
-            <a:r>
-              <a:rPr lang="es-ES" dirty="0" smtClean="0"/>
-              <a:t>BUG </a:t>
-            </a:r>
-            <a:r>
-              <a:rPr lang="es-ES" dirty="0" err="1" smtClean="0"/>
-              <a:t>Report</a:t>
-            </a:r>
-            <a:endParaRPr lang="es-ES" dirty="0" smtClean="0"/>
-          </a:p>
-          <a:p>
-            <a:pPr lvl="1"/>
-            <a:r>
-              <a:rPr lang="es-ES" dirty="0" smtClean="0"/>
-              <a:t>Foros</a:t>
-            </a:r>
-          </a:p>
-          <a:p>
-            <a:pPr lvl="1"/>
-            <a:r>
-              <a:rPr lang="es-ES" dirty="0" err="1" smtClean="0"/>
-              <a:t>Peticion</a:t>
-            </a:r>
-            <a:r>
-              <a:rPr lang="es-ES" dirty="0" smtClean="0"/>
-              <a:t> de nuevas funcionalidades</a:t>
-            </a:r>
-          </a:p>
-          <a:p>
-            <a:pPr lvl="1"/>
-            <a:endParaRPr lang="es-ES" dirty="0" smtClean="0"/>
-          </a:p>
-          <a:p>
-            <a:r>
-              <a:rPr lang="es-ES" dirty="0" smtClean="0"/>
-              <a:t>Expectativas  de la </a:t>
-            </a:r>
-            <a:r>
-              <a:rPr lang="es-ES" dirty="0" err="1" smtClean="0"/>
-              <a:t>solucion</a:t>
-            </a:r>
-            <a:r>
-              <a:rPr lang="es-ES" dirty="0" smtClean="0"/>
-              <a:t> de </a:t>
-            </a:r>
-            <a:r>
-              <a:rPr lang="es-ES" dirty="0" err="1" smtClean="0"/>
-              <a:t>simulacion</a:t>
-            </a:r>
-            <a:r>
-              <a:rPr lang="es-ES" dirty="0" smtClean="0"/>
-              <a:t>:</a:t>
-            </a:r>
-          </a:p>
-          <a:p>
-            <a:r>
-              <a:rPr lang="es-ES" dirty="0" err="1" smtClean="0"/>
-              <a:t>Comparacion</a:t>
-            </a:r>
-            <a:r>
-              <a:rPr lang="es-ES" dirty="0" smtClean="0"/>
-              <a:t> con otros simuladores</a:t>
-            </a:r>
-          </a:p>
-          <a:p>
-            <a:pPr lvl="1"/>
-            <a:r>
-              <a:rPr lang="es-ES" dirty="0" smtClean="0"/>
-              <a:t>Personalizable dependiendo del cliente.</a:t>
-            </a:r>
-          </a:p>
-          <a:p>
-            <a:pPr lvl="1"/>
-            <a:r>
-              <a:rPr lang="es-ES" dirty="0" smtClean="0"/>
-              <a:t>Localidad </a:t>
-            </a:r>
-            <a:r>
-              <a:rPr lang="es-ES" dirty="0" err="1" smtClean="0"/>
-              <a:t>geografica</a:t>
-            </a:r>
-            <a:endParaRPr lang="es-ES" dirty="0" smtClean="0"/>
-          </a:p>
-          <a:p>
-            <a:pPr lvl="1"/>
-            <a:r>
-              <a:rPr lang="es-ES" dirty="0" smtClean="0"/>
-              <a:t>Precio</a:t>
-            </a:r>
-          </a:p>
-          <a:p>
-            <a:pPr lvl="1"/>
-            <a:r>
-              <a:rPr lang="es-ES" dirty="0" err="1" smtClean="0"/>
-              <a:t>Virtualizacion</a:t>
-            </a:r>
-            <a:endParaRPr lang="es-ES" dirty="0" smtClean="0"/>
-          </a:p>
-          <a:p>
-            <a:pPr lvl="1"/>
-            <a:r>
-              <a:rPr lang="es-ES" dirty="0" smtClean="0"/>
-              <a:t>Enfoque Educativo</a:t>
-            </a:r>
-          </a:p>
-          <a:p>
-            <a:pPr lvl="1"/>
-            <a:r>
-              <a:rPr lang="es-ES" dirty="0" err="1" smtClean="0"/>
-              <a:t>MultiVendor</a:t>
-            </a:r>
-            <a:endParaRPr lang="es-ES" dirty="0" smtClean="0"/>
-          </a:p>
-          <a:p>
-            <a:pPr lvl="1"/>
-            <a:endParaRPr lang="es-ES" dirty="0" smtClean="0"/>
-          </a:p>
-          <a:p>
-            <a:endParaRPr lang="es-ES" dirty="0" smtClean="0"/>
-          </a:p>
-          <a:p>
-            <a:pPr lvl="1">
-              <a:buNone/>
-            </a:pPr>
-            <a:endParaRPr lang="es-ES" dirty="0" smtClean="0"/>
-          </a:p>
-          <a:p>
-            <a:r>
-              <a:rPr lang="es-ES" dirty="0" err="1" smtClean="0"/>
-              <a:t>RoadMap</a:t>
-            </a:r>
-            <a:r>
-              <a:rPr lang="es-ES" dirty="0" smtClean="0"/>
-              <a:t> Educativo:</a:t>
-            </a:r>
-          </a:p>
-          <a:p>
-            <a:pPr lvl="1"/>
-            <a:r>
-              <a:rPr lang="es-ES" dirty="0" smtClean="0"/>
-              <a:t>E-</a:t>
-            </a:r>
-            <a:r>
-              <a:rPr lang="es-ES" dirty="0" err="1" smtClean="0"/>
-              <a:t>Learning</a:t>
-            </a:r>
-            <a:endParaRPr lang="es-ES" dirty="0" smtClean="0"/>
-          </a:p>
-          <a:p>
-            <a:pPr lvl="1"/>
-            <a:r>
-              <a:rPr lang="es-ES" dirty="0" smtClean="0"/>
-              <a:t>Especialización de protocolos</a:t>
-            </a:r>
-          </a:p>
-          <a:p>
-            <a:pPr lvl="1"/>
-            <a:r>
-              <a:rPr lang="es-ES" dirty="0" smtClean="0"/>
-              <a:t>Especialización de equipos</a:t>
-            </a:r>
-          </a:p>
-          <a:p>
-            <a:pPr lvl="1"/>
-            <a:r>
-              <a:rPr lang="es-ES" dirty="0" smtClean="0"/>
-              <a:t>Ayudas y tutoriales integrados.</a:t>
-            </a:r>
-          </a:p>
-          <a:p>
-            <a:pPr lvl="1"/>
-            <a:r>
-              <a:rPr lang="es-ES" dirty="0" smtClean="0"/>
-              <a:t>Laboratorios asistidos.</a:t>
-            </a:r>
-          </a:p>
-          <a:p>
-            <a:pPr lvl="1"/>
-            <a:r>
-              <a:rPr lang="es-ES" dirty="0" smtClean="0"/>
-              <a:t>Generación de reportes y análisis de tráfico</a:t>
-            </a:r>
-          </a:p>
-          <a:p>
-            <a:pPr lvl="1"/>
-            <a:r>
-              <a:rPr lang="es-ES" dirty="0" smtClean="0"/>
-              <a:t>Evaluaciones integradas.</a:t>
-            </a:r>
-          </a:p>
-          <a:p>
-            <a:pPr lvl="1"/>
-            <a:r>
-              <a:rPr lang="es-ES" dirty="0" smtClean="0"/>
-              <a:t>Desarrollos especializados en </a:t>
-            </a:r>
-            <a:r>
-              <a:rPr lang="es-ES" dirty="0" err="1" smtClean="0"/>
-              <a:t>virtualización</a:t>
-            </a:r>
-            <a:r>
-              <a:rPr lang="es-ES" dirty="0" smtClean="0"/>
-              <a:t> (</a:t>
-            </a:r>
-            <a:r>
-              <a:rPr lang="es-ES" dirty="0" err="1" smtClean="0"/>
-              <a:t>AudioVisual</a:t>
-            </a:r>
-            <a:r>
-              <a:rPr lang="es-ES" dirty="0" smtClean="0"/>
-              <a:t>, chat, </a:t>
-            </a:r>
-            <a:r>
-              <a:rPr lang="es-ES" dirty="0" err="1" smtClean="0"/>
-              <a:t>etc</a:t>
-            </a:r>
-            <a:r>
-              <a:rPr lang="es-ES" dirty="0" smtClean="0"/>
-              <a:t>)</a:t>
-            </a:r>
-          </a:p>
-          <a:p>
-            <a:pPr lvl="1"/>
-            <a:r>
-              <a:rPr lang="es-ES" dirty="0" smtClean="0"/>
-              <a:t>Vista WEB de la red</a:t>
-            </a:r>
-          </a:p>
-          <a:p>
-            <a:pPr lvl="1"/>
-            <a:r>
-              <a:rPr lang="es-ES" dirty="0" smtClean="0"/>
-              <a:t>IPV6</a:t>
-            </a:r>
-          </a:p>
-          <a:p>
-            <a:pPr lvl="1"/>
-            <a:r>
-              <a:rPr lang="es-ES" dirty="0" smtClean="0"/>
-              <a:t>Suite de Simulación:</a:t>
-            </a:r>
-          </a:p>
-          <a:p>
-            <a:pPr lvl="2"/>
-            <a:r>
-              <a:rPr lang="es-ES" dirty="0" smtClean="0"/>
-              <a:t>Arquitectura de Procesadores</a:t>
-            </a:r>
-          </a:p>
-          <a:p>
-            <a:pPr lvl="2"/>
-            <a:r>
-              <a:rPr lang="es-ES" dirty="0" smtClean="0"/>
-              <a:t>Materiales e instrumentos electrónicos</a:t>
-            </a:r>
-          </a:p>
-          <a:p>
-            <a:pPr lvl="2"/>
-            <a:r>
-              <a:rPr lang="es-ES" dirty="0" err="1" smtClean="0"/>
-              <a:t>Next</a:t>
-            </a:r>
-            <a:r>
-              <a:rPr lang="es-ES" dirty="0" smtClean="0"/>
-              <a:t> </a:t>
-            </a:r>
-            <a:r>
-              <a:rPr lang="es-ES" dirty="0" err="1" smtClean="0"/>
-              <a:t>Generation</a:t>
-            </a:r>
-            <a:r>
-              <a:rPr lang="es-ES" dirty="0" smtClean="0"/>
-              <a:t> Networks</a:t>
-            </a:r>
-          </a:p>
-          <a:p>
-            <a:r>
-              <a:rPr lang="es-ES" dirty="0" err="1" smtClean="0"/>
-              <a:t>RoadMap</a:t>
-            </a:r>
-            <a:r>
-              <a:rPr lang="es-ES" dirty="0" smtClean="0"/>
-              <a:t> Empresarial</a:t>
-            </a:r>
-          </a:p>
-          <a:p>
-            <a:pPr lvl="1"/>
-            <a:r>
-              <a:rPr lang="es-ES" dirty="0" smtClean="0"/>
-              <a:t>Aprovisionamiento e Inventario de equipos y protocolos.</a:t>
-            </a:r>
-          </a:p>
-          <a:p>
-            <a:pPr lvl="1"/>
-            <a:r>
-              <a:rPr lang="es-ES" dirty="0" smtClean="0"/>
-              <a:t>Posicionamiento </a:t>
-            </a:r>
-            <a:r>
-              <a:rPr lang="es-ES" dirty="0" err="1" smtClean="0"/>
-              <a:t>Georeferenciado</a:t>
-            </a:r>
-            <a:r>
-              <a:rPr lang="es-ES" dirty="0" smtClean="0"/>
-              <a:t> de estaciones (</a:t>
-            </a:r>
-            <a:r>
-              <a:rPr lang="es-ES" dirty="0" err="1" smtClean="0"/>
-              <a:t>SharpMap</a:t>
-            </a:r>
-            <a:r>
-              <a:rPr lang="es-ES" dirty="0" smtClean="0"/>
-              <a:t>)</a:t>
-            </a:r>
-          </a:p>
-          <a:p>
-            <a:pPr lvl="1"/>
-            <a:r>
-              <a:rPr lang="es-ES" dirty="0" smtClean="0"/>
-              <a:t>Topología de la red de un operador de redes de Datos.</a:t>
-            </a:r>
-          </a:p>
-          <a:p>
-            <a:pPr lvl="1"/>
-            <a:r>
-              <a:rPr lang="es-ES" dirty="0" smtClean="0"/>
-              <a:t>Comunicación y sincronización con equipos(SNMP SSH </a:t>
-            </a:r>
-            <a:r>
-              <a:rPr lang="es-ES" dirty="0" err="1" smtClean="0"/>
-              <a:t>TelNet</a:t>
-            </a:r>
-            <a:r>
-              <a:rPr lang="es-ES" dirty="0" smtClean="0"/>
-              <a:t>) </a:t>
-            </a:r>
-            <a:r>
-              <a:rPr lang="es-ES" dirty="0" err="1" smtClean="0"/>
-              <a:t>via</a:t>
-            </a:r>
-            <a:r>
-              <a:rPr lang="es-ES" dirty="0" smtClean="0"/>
-              <a:t> SOA</a:t>
-            </a:r>
-          </a:p>
-          <a:p>
-            <a:pPr lvl="1"/>
-            <a:r>
-              <a:rPr lang="es-ES" dirty="0" err="1" smtClean="0"/>
-              <a:t>WorkFlow</a:t>
-            </a:r>
-            <a:r>
-              <a:rPr lang="es-ES" dirty="0" smtClean="0"/>
-              <a:t> de Procesos.</a:t>
-            </a:r>
-          </a:p>
-          <a:p>
-            <a:pPr lvl="1"/>
-            <a:r>
-              <a:rPr lang="es-ES" dirty="0" smtClean="0"/>
-              <a:t>Planeación de la red.</a:t>
-            </a:r>
-          </a:p>
-          <a:p>
-            <a:pPr lvl="1"/>
-            <a:r>
-              <a:rPr lang="es-ES" dirty="0" smtClean="0"/>
-              <a:t>Análisis y reportes gerenciales de la red</a:t>
-            </a:r>
-          </a:p>
-          <a:p>
-            <a:pPr lvl="1"/>
-            <a:r>
-              <a:rPr lang="es-ES" dirty="0" smtClean="0"/>
-              <a:t>Conexión a motores de bases de datos empresariales</a:t>
             </a:r>
           </a:p>
           <a:p>
@@ -4029,6 +3305,994 @@
   <p:clrMapOvr>
     <a:masterClrMapping/>
   </p:clrMapOvr>
+  <p:timing>
+    <p:tnLst>
+      <p:par>
+        <p:cTn id="1" dur="indefinite" restart="never" nodeType="tmRoot"/>
+      </p:par>
+    </p:tnLst>
+  </p:timing>
+</p:sld>
+</file>
+
+<file path=ppt/slides/slide3.xml><?xml version="1.0" encoding="utf-8"?>
+<p:sld xmlns:a="http://schemas.openxmlformats.org/drawingml/2006/main" xmlns:r="http://schemas.openxmlformats.org/officeDocument/2006/relationships" xmlns:p="http://schemas.openxmlformats.org/presentationml/2006/main">
+  <p:cSld>
+    <p:spTree>
+      <p:nvGrpSpPr>
+        <p:cNvPr id="1" name=""/>
+        <p:cNvGrpSpPr/>
+        <p:nvPr/>
+      </p:nvGrpSpPr>
+      <p:grpSpPr>
+        <a:xfrm>
+          <a:off x="0" y="0"/>
+          <a:ext cx="0" cy="0"/>
+          <a:chOff x="0" y="0"/>
+          <a:chExt cx="0" cy="0"/>
+        </a:xfrm>
+      </p:grpSpPr>
+      <p:sp>
+        <p:nvSpPr>
+          <p:cNvPr id="3" name="2 Marcador de contenido"/>
+          <p:cNvSpPr>
+            <a:spLocks noGrp="1"/>
+          </p:cNvSpPr>
+          <p:nvPr>
+            <p:ph idx="1"/>
+          </p:nvPr>
+        </p:nvSpPr>
+        <p:spPr>
+          <a:xfrm>
+            <a:off x="457200" y="357166"/>
+            <a:ext cx="8229600" cy="6286544"/>
+          </a:xfrm>
+        </p:spPr>
+        <p:txBody>
+          <a:bodyPr numCol="2">
+            <a:normAutofit fontScale="25000" lnSpcReduction="20000"/>
+          </a:bodyPr>
+          <a:lstStyle/>
+          <a:p>
+            <a:r>
+              <a:rPr lang="es-ES" dirty="0" smtClean="0"/>
+              <a:t>Introducción</a:t>
+            </a:r>
+          </a:p>
+          <a:p>
+            <a:r>
+              <a:rPr lang="es-ES" dirty="0" smtClean="0"/>
+              <a:t>Características Principales:</a:t>
+            </a:r>
+          </a:p>
+          <a:p>
+            <a:pPr lvl="1"/>
+            <a:r>
+              <a:rPr lang="es-ES" dirty="0" smtClean="0"/>
+              <a:t>Protocolos</a:t>
+            </a:r>
+          </a:p>
+          <a:p>
+            <a:pPr lvl="1"/>
+            <a:r>
+              <a:rPr lang="es-ES" dirty="0" smtClean="0"/>
+              <a:t>Equipos (</a:t>
+            </a:r>
+            <a:r>
+              <a:rPr lang="es-ES" dirty="0" err="1" smtClean="0"/>
+              <a:t>Multivendor</a:t>
+            </a:r>
+            <a:r>
+              <a:rPr lang="es-ES" dirty="0" smtClean="0"/>
+              <a:t>)</a:t>
+            </a:r>
+          </a:p>
+          <a:p>
+            <a:pPr lvl="1"/>
+            <a:r>
+              <a:rPr lang="es-ES" dirty="0" smtClean="0"/>
+              <a:t>Modelo OSI</a:t>
+            </a:r>
+          </a:p>
+          <a:p>
+            <a:pPr lvl="1"/>
+            <a:r>
+              <a:rPr lang="es-ES" dirty="0" smtClean="0"/>
+              <a:t>Puntas de medición (</a:t>
+            </a:r>
+            <a:r>
+              <a:rPr lang="es-ES" dirty="0" err="1" smtClean="0"/>
+              <a:t>sniffer</a:t>
+            </a:r>
+            <a:r>
+              <a:rPr lang="es-ES" dirty="0" smtClean="0"/>
+              <a:t>)</a:t>
+            </a:r>
+          </a:p>
+          <a:p>
+            <a:pPr lvl="1"/>
+            <a:r>
+              <a:rPr lang="es-ES" dirty="0" smtClean="0"/>
+              <a:t>Acceso Compartido</a:t>
+            </a:r>
+          </a:p>
+          <a:p>
+            <a:pPr lvl="1"/>
+            <a:r>
+              <a:rPr lang="es-ES" dirty="0" smtClean="0"/>
+              <a:t>Acceso a base de datos</a:t>
+            </a:r>
+          </a:p>
+          <a:p>
+            <a:pPr lvl="1"/>
+            <a:r>
+              <a:rPr lang="en-GB" dirty="0" smtClean="0"/>
+              <a:t>Real-Time and Simulation Modes</a:t>
+            </a:r>
+          </a:p>
+          <a:p>
+            <a:pPr lvl="1"/>
+            <a:endParaRPr lang="es-ES" dirty="0" smtClean="0"/>
+          </a:p>
+          <a:p>
+            <a:r>
+              <a:rPr lang="es-ES" dirty="0" smtClean="0"/>
+              <a:t>Arquitectura</a:t>
+            </a:r>
+          </a:p>
+          <a:p>
+            <a:pPr lvl="1"/>
+            <a:r>
+              <a:rPr lang="es-ES" dirty="0" smtClean="0"/>
+              <a:t>POO</a:t>
+            </a:r>
+          </a:p>
+          <a:p>
+            <a:pPr lvl="1"/>
+            <a:r>
+              <a:rPr lang="es-ES" dirty="0" smtClean="0"/>
+              <a:t>N TIER</a:t>
+            </a:r>
+          </a:p>
+          <a:p>
+            <a:pPr lvl="1"/>
+            <a:r>
+              <a:rPr lang="es-ES" dirty="0" smtClean="0"/>
+              <a:t>MVP</a:t>
+            </a:r>
+          </a:p>
+          <a:p>
+            <a:pPr lvl="1"/>
+            <a:r>
+              <a:rPr lang="es-ES" dirty="0" smtClean="0"/>
+              <a:t>Diagrama de Clases</a:t>
+            </a:r>
+          </a:p>
+          <a:p>
+            <a:pPr lvl="1"/>
+            <a:r>
+              <a:rPr lang="es-ES" dirty="0" smtClean="0"/>
+              <a:t>Diagrama de base de datos</a:t>
+            </a:r>
+          </a:p>
+          <a:p>
+            <a:pPr lvl="1"/>
+            <a:r>
+              <a:rPr lang="es-ES" dirty="0" smtClean="0"/>
+              <a:t>Organización de la </a:t>
+            </a:r>
+            <a:r>
+              <a:rPr lang="es-ES" dirty="0" err="1" smtClean="0"/>
+              <a:t>solucion</a:t>
+            </a:r>
+            <a:r>
+              <a:rPr lang="es-ES" dirty="0" smtClean="0"/>
+              <a:t> en VS</a:t>
+            </a:r>
+          </a:p>
+          <a:p>
+            <a:r>
+              <a:rPr lang="es-ES" dirty="0" smtClean="0"/>
+              <a:t>Campos de Acción(Beneficios):</a:t>
+            </a:r>
+          </a:p>
+          <a:p>
+            <a:pPr lvl="1"/>
+            <a:r>
+              <a:rPr lang="es-ES" dirty="0" smtClean="0"/>
+              <a:t>Educativo</a:t>
+            </a:r>
+          </a:p>
+          <a:p>
+            <a:pPr lvl="1"/>
+            <a:r>
+              <a:rPr lang="es-ES" dirty="0" smtClean="0"/>
+              <a:t>Empresarial</a:t>
+            </a:r>
+          </a:p>
+          <a:p>
+            <a:pPr lvl="1"/>
+            <a:endParaRPr lang="es-ES" dirty="0" smtClean="0"/>
+          </a:p>
+          <a:p>
+            <a:r>
+              <a:rPr lang="es-ES" dirty="0" smtClean="0"/>
+              <a:t>Tecnologías Usadas:</a:t>
+            </a:r>
+          </a:p>
+          <a:p>
+            <a:pPr lvl="1"/>
+            <a:r>
+              <a:rPr lang="es-ES" dirty="0" err="1" smtClean="0"/>
+              <a:t>.net</a:t>
+            </a:r>
+            <a:r>
+              <a:rPr lang="es-ES" dirty="0" smtClean="0"/>
+              <a:t> </a:t>
+            </a:r>
+            <a:r>
+              <a:rPr lang="es-ES" dirty="0" err="1" smtClean="0"/>
+              <a:t>framework</a:t>
+            </a:r>
+            <a:endParaRPr lang="es-ES" dirty="0" smtClean="0"/>
+          </a:p>
+          <a:p>
+            <a:pPr lvl="2"/>
+            <a:r>
+              <a:rPr lang="es-ES" dirty="0" err="1" smtClean="0"/>
+              <a:t>Definicion</a:t>
+            </a:r>
+            <a:endParaRPr lang="es-ES" dirty="0" smtClean="0"/>
+          </a:p>
+          <a:p>
+            <a:pPr lvl="2"/>
+            <a:r>
+              <a:rPr lang="es-ES" dirty="0" err="1" smtClean="0"/>
+              <a:t>.Net</a:t>
+            </a:r>
+            <a:r>
+              <a:rPr lang="es-ES" dirty="0" smtClean="0"/>
+              <a:t> sobre Java </a:t>
+            </a:r>
+            <a:r>
+              <a:rPr lang="es-ES" dirty="0" err="1" smtClean="0"/>
+              <a:t>porq</a:t>
+            </a:r>
+            <a:r>
+              <a:rPr lang="es-ES" dirty="0" smtClean="0"/>
+              <a:t> </a:t>
+            </a:r>
+            <a:r>
+              <a:rPr lang="es-ES" dirty="0" err="1" smtClean="0"/>
+              <a:t>.net</a:t>
+            </a:r>
+            <a:r>
+              <a:rPr lang="es-ES" dirty="0"/>
+              <a:t>¿</a:t>
+            </a:r>
+            <a:endParaRPr lang="es-ES" dirty="0" smtClean="0"/>
+          </a:p>
+          <a:p>
+            <a:pPr lvl="2"/>
+            <a:r>
+              <a:rPr lang="es-ES" dirty="0" smtClean="0"/>
+              <a:t>Arquitectura</a:t>
+            </a:r>
+          </a:p>
+          <a:p>
+            <a:pPr lvl="2"/>
+            <a:r>
+              <a:rPr lang="es-ES" dirty="0" err="1" smtClean="0"/>
+              <a:t>Multi</a:t>
+            </a:r>
+            <a:r>
+              <a:rPr lang="es-ES" dirty="0" smtClean="0"/>
+              <a:t> </a:t>
+            </a:r>
+            <a:r>
+              <a:rPr lang="es-ES" dirty="0" err="1" smtClean="0"/>
+              <a:t>Threading</a:t>
+            </a:r>
+            <a:endParaRPr lang="es-ES" dirty="0" smtClean="0"/>
+          </a:p>
+          <a:p>
+            <a:pPr lvl="2"/>
+            <a:r>
+              <a:rPr lang="es-ES" dirty="0" smtClean="0"/>
+              <a:t>LINQ</a:t>
+            </a:r>
+          </a:p>
+          <a:p>
+            <a:pPr lvl="2"/>
+            <a:r>
+              <a:rPr lang="es-ES" dirty="0" smtClean="0"/>
+              <a:t>WCF</a:t>
+            </a:r>
+          </a:p>
+          <a:p>
+            <a:pPr lvl="1"/>
+            <a:r>
+              <a:rPr lang="es-ES" dirty="0" err="1" smtClean="0"/>
+              <a:t>Subversion</a:t>
+            </a:r>
+            <a:endParaRPr lang="es-ES" dirty="0" smtClean="0"/>
+          </a:p>
+          <a:p>
+            <a:pPr lvl="1"/>
+            <a:r>
+              <a:rPr lang="es-ES" dirty="0" err="1" smtClean="0"/>
+              <a:t>Clickonce</a:t>
+            </a:r>
+            <a:r>
+              <a:rPr lang="es-ES" dirty="0" smtClean="0"/>
+              <a:t> </a:t>
+            </a:r>
+            <a:r>
+              <a:rPr lang="es-ES" dirty="0" err="1" smtClean="0"/>
+              <a:t>Smart</a:t>
+            </a:r>
+            <a:r>
+              <a:rPr lang="es-ES" dirty="0" smtClean="0"/>
+              <a:t> </a:t>
+            </a:r>
+            <a:r>
+              <a:rPr lang="es-ES" dirty="0" err="1" smtClean="0"/>
+              <a:t>Client</a:t>
+            </a:r>
+            <a:endParaRPr lang="es-ES" dirty="0" smtClean="0"/>
+          </a:p>
+          <a:p>
+            <a:pPr lvl="1"/>
+            <a:r>
+              <a:rPr lang="es-ES" dirty="0" smtClean="0"/>
+              <a:t>SQL Server Compact </a:t>
+            </a:r>
+            <a:r>
+              <a:rPr lang="es-ES" dirty="0" err="1" smtClean="0"/>
+              <a:t>Edition</a:t>
+            </a:r>
+            <a:r>
+              <a:rPr lang="es-ES" dirty="0" smtClean="0"/>
+              <a:t>.</a:t>
+            </a:r>
+          </a:p>
+          <a:p>
+            <a:pPr lvl="1"/>
+            <a:r>
+              <a:rPr lang="es-ES" dirty="0" smtClean="0"/>
+              <a:t>Visual Studio Express 2008</a:t>
+            </a:r>
+          </a:p>
+          <a:p>
+            <a:pPr lvl="1">
+              <a:buNone/>
+            </a:pPr>
+            <a:r>
+              <a:rPr lang="es-ES" dirty="0" smtClean="0"/>
+              <a:t>		</a:t>
+            </a:r>
+          </a:p>
+          <a:p>
+            <a:r>
+              <a:rPr lang="es-ES" dirty="0" smtClean="0"/>
+              <a:t>Desarrollo</a:t>
+            </a:r>
+          </a:p>
+          <a:p>
+            <a:pPr lvl="1"/>
+            <a:r>
+              <a:rPr lang="es-ES" dirty="0" smtClean="0"/>
+              <a:t>Estandarización de código</a:t>
+            </a:r>
+          </a:p>
+          <a:p>
+            <a:pPr lvl="1"/>
+            <a:r>
+              <a:rPr lang="es-ES" dirty="0" smtClean="0"/>
+              <a:t>Metodologías tradicionales</a:t>
+            </a:r>
+          </a:p>
+          <a:p>
+            <a:pPr lvl="1"/>
+            <a:r>
+              <a:rPr lang="es-ES" dirty="0" smtClean="0"/>
+              <a:t>Metodologías Agiles</a:t>
+            </a:r>
+          </a:p>
+          <a:p>
+            <a:pPr lvl="1"/>
+            <a:r>
+              <a:rPr lang="es-ES" dirty="0" err="1" smtClean="0"/>
+              <a:t>Refactoring</a:t>
+            </a:r>
+            <a:r>
+              <a:rPr lang="es-ES" dirty="0" smtClean="0"/>
+              <a:t> </a:t>
+            </a:r>
+            <a:endParaRPr lang="es-ES" dirty="0" smtClean="0"/>
+          </a:p>
+          <a:p>
+            <a:pPr lvl="1"/>
+            <a:r>
+              <a:rPr lang="es-ES" dirty="0" smtClean="0"/>
+              <a:t>Proceso llevado durante el proyecto</a:t>
+            </a:r>
+          </a:p>
+          <a:p>
+            <a:r>
+              <a:rPr lang="es-ES" dirty="0" smtClean="0"/>
+              <a:t>Extensibilidad</a:t>
+            </a:r>
+          </a:p>
+          <a:p>
+            <a:pPr lvl="1"/>
+            <a:r>
+              <a:rPr lang="es-ES" dirty="0" smtClean="0"/>
+              <a:t>Repositorio centralizado (Gracias  a)</a:t>
+            </a:r>
+          </a:p>
+          <a:p>
+            <a:pPr lvl="1"/>
+            <a:r>
+              <a:rPr lang="es-ES" dirty="0" smtClean="0"/>
+              <a:t>Nuevos Equipos</a:t>
+            </a:r>
+          </a:p>
+          <a:p>
+            <a:pPr lvl="1"/>
+            <a:r>
+              <a:rPr lang="es-ES" dirty="0" smtClean="0"/>
+              <a:t>Nuevo Protocolos</a:t>
+            </a:r>
+          </a:p>
+          <a:p>
+            <a:pPr lvl="1"/>
+            <a:r>
+              <a:rPr lang="es-ES" dirty="0" smtClean="0"/>
+              <a:t>Especialización en equipos y protocolos</a:t>
+            </a:r>
+          </a:p>
+          <a:p>
+            <a:pPr lvl="1"/>
+            <a:r>
+              <a:rPr lang="es-ES" dirty="0" smtClean="0"/>
+              <a:t>Nuevos Clientes de Base de Datos</a:t>
+            </a:r>
+          </a:p>
+          <a:p>
+            <a:pPr lvl="1"/>
+            <a:r>
+              <a:rPr lang="es-ES" dirty="0" smtClean="0"/>
+              <a:t>Nuevas Visualizaciones (WPF WEB)</a:t>
+            </a:r>
+          </a:p>
+          <a:p>
+            <a:pPr lvl="1"/>
+            <a:r>
+              <a:rPr lang="es-ES" dirty="0" smtClean="0"/>
+              <a:t>Comunicación entre equipos (SOA)</a:t>
+            </a:r>
+          </a:p>
+          <a:p>
+            <a:r>
+              <a:rPr lang="es-ES" dirty="0" err="1" smtClean="0"/>
+              <a:t>Documentacion</a:t>
+            </a:r>
+            <a:r>
+              <a:rPr lang="es-ES" dirty="0" smtClean="0"/>
+              <a:t> y mantenimiento de la herramienta</a:t>
+            </a:r>
+          </a:p>
+          <a:p>
+            <a:pPr lvl="1"/>
+            <a:r>
+              <a:rPr lang="es-ES" dirty="0" err="1" smtClean="0"/>
+              <a:t>Gestion</a:t>
+            </a:r>
+            <a:r>
+              <a:rPr lang="es-ES" dirty="0" smtClean="0"/>
+              <a:t> del producto</a:t>
+            </a:r>
+          </a:p>
+          <a:p>
+            <a:pPr lvl="1"/>
+            <a:r>
+              <a:rPr lang="es-ES" dirty="0" smtClean="0"/>
+              <a:t>Material Audiovisual</a:t>
+            </a:r>
+          </a:p>
+          <a:p>
+            <a:pPr lvl="1"/>
+            <a:r>
+              <a:rPr lang="es-ES" dirty="0" smtClean="0"/>
+              <a:t>FAQ</a:t>
+            </a:r>
+          </a:p>
+          <a:p>
+            <a:pPr lvl="1"/>
+            <a:r>
+              <a:rPr lang="es-ES" dirty="0" smtClean="0"/>
+              <a:t>BUG </a:t>
+            </a:r>
+            <a:r>
+              <a:rPr lang="es-ES" dirty="0" err="1" smtClean="0"/>
+              <a:t>Report</a:t>
+            </a:r>
+            <a:endParaRPr lang="es-ES" dirty="0" smtClean="0"/>
+          </a:p>
+          <a:p>
+            <a:pPr lvl="1"/>
+            <a:r>
+              <a:rPr lang="es-ES" dirty="0" smtClean="0"/>
+              <a:t>Foros</a:t>
+            </a:r>
+          </a:p>
+          <a:p>
+            <a:pPr lvl="1"/>
+            <a:r>
+              <a:rPr lang="es-ES" dirty="0" err="1" smtClean="0"/>
+              <a:t>Peticion</a:t>
+            </a:r>
+            <a:r>
+              <a:rPr lang="es-ES" dirty="0" smtClean="0"/>
+              <a:t> de nuevas funcionalidades</a:t>
+            </a:r>
+          </a:p>
+          <a:p>
+            <a:pPr lvl="1"/>
+            <a:endParaRPr lang="es-ES" dirty="0" smtClean="0"/>
+          </a:p>
+          <a:p>
+            <a:r>
+              <a:rPr lang="es-ES" dirty="0" smtClean="0"/>
+              <a:t>Expectativas  de la </a:t>
+            </a:r>
+            <a:r>
+              <a:rPr lang="es-ES" dirty="0" err="1" smtClean="0"/>
+              <a:t>solucion</a:t>
+            </a:r>
+            <a:r>
+              <a:rPr lang="es-ES" dirty="0" smtClean="0"/>
+              <a:t> de </a:t>
+            </a:r>
+            <a:r>
+              <a:rPr lang="es-ES" dirty="0" err="1" smtClean="0"/>
+              <a:t>simulacion</a:t>
+            </a:r>
+            <a:r>
+              <a:rPr lang="es-ES" dirty="0" smtClean="0"/>
+              <a:t>:</a:t>
+            </a:r>
+          </a:p>
+          <a:p>
+            <a:r>
+              <a:rPr lang="es-ES" dirty="0" err="1" smtClean="0"/>
+              <a:t>Comparacion</a:t>
+            </a:r>
+            <a:r>
+              <a:rPr lang="es-ES" dirty="0" smtClean="0"/>
+              <a:t> con otros simuladores</a:t>
+            </a:r>
+          </a:p>
+          <a:p>
+            <a:pPr lvl="1"/>
+            <a:r>
+              <a:rPr lang="es-ES" dirty="0" smtClean="0"/>
+              <a:t>Personalizable dependiendo del cliente.</a:t>
+            </a:r>
+          </a:p>
+          <a:p>
+            <a:pPr lvl="1"/>
+            <a:r>
+              <a:rPr lang="es-ES" dirty="0" smtClean="0"/>
+              <a:t>Localidad </a:t>
+            </a:r>
+            <a:r>
+              <a:rPr lang="es-ES" dirty="0" err="1" smtClean="0"/>
+              <a:t>geografica</a:t>
+            </a:r>
+            <a:endParaRPr lang="es-ES" dirty="0" smtClean="0"/>
+          </a:p>
+          <a:p>
+            <a:pPr lvl="1"/>
+            <a:r>
+              <a:rPr lang="es-ES" dirty="0" smtClean="0"/>
+              <a:t>Precio</a:t>
+            </a:r>
+          </a:p>
+          <a:p>
+            <a:pPr lvl="1"/>
+            <a:r>
+              <a:rPr lang="es-ES" dirty="0" err="1" smtClean="0"/>
+              <a:t>Virtualizacion</a:t>
+            </a:r>
+            <a:endParaRPr lang="es-ES" dirty="0" smtClean="0"/>
+          </a:p>
+          <a:p>
+            <a:pPr lvl="1"/>
+            <a:r>
+              <a:rPr lang="es-ES" dirty="0" smtClean="0"/>
+              <a:t>Enfoque Educativo</a:t>
+            </a:r>
+          </a:p>
+          <a:p>
+            <a:pPr lvl="1"/>
+            <a:r>
+              <a:rPr lang="es-ES" dirty="0" err="1" smtClean="0"/>
+              <a:t>MultiVendor</a:t>
+            </a:r>
+            <a:endParaRPr lang="es-ES" dirty="0" smtClean="0"/>
+          </a:p>
+          <a:p>
+            <a:pPr lvl="1"/>
+            <a:endParaRPr lang="es-ES" dirty="0" smtClean="0"/>
+          </a:p>
+          <a:p>
+            <a:endParaRPr lang="es-ES" dirty="0" smtClean="0"/>
+          </a:p>
+          <a:p>
+            <a:pPr lvl="1">
+              <a:buNone/>
+            </a:pPr>
+            <a:endParaRPr lang="es-ES" dirty="0" smtClean="0"/>
+          </a:p>
+          <a:p>
+            <a:r>
+              <a:rPr lang="es-ES" dirty="0" err="1" smtClean="0"/>
+              <a:t>RoadMap</a:t>
+            </a:r>
+            <a:r>
+              <a:rPr lang="es-ES" dirty="0" smtClean="0"/>
+              <a:t> Educativo:</a:t>
+            </a:r>
+          </a:p>
+          <a:p>
+            <a:pPr lvl="1"/>
+            <a:r>
+              <a:rPr lang="es-ES" dirty="0" smtClean="0"/>
+              <a:t>E-</a:t>
+            </a:r>
+            <a:r>
+              <a:rPr lang="es-ES" dirty="0" err="1" smtClean="0"/>
+              <a:t>Learning</a:t>
+            </a:r>
+            <a:endParaRPr lang="es-ES" dirty="0" smtClean="0"/>
+          </a:p>
+          <a:p>
+            <a:pPr lvl="1"/>
+            <a:r>
+              <a:rPr lang="es-ES" dirty="0" smtClean="0"/>
+              <a:t>Especialización de protocolos</a:t>
+            </a:r>
+          </a:p>
+          <a:p>
+            <a:pPr lvl="1"/>
+            <a:r>
+              <a:rPr lang="es-ES" dirty="0" smtClean="0"/>
+              <a:t>Especialización de equipos</a:t>
+            </a:r>
+          </a:p>
+          <a:p>
+            <a:pPr lvl="1"/>
+            <a:r>
+              <a:rPr lang="es-ES" dirty="0" smtClean="0"/>
+              <a:t>Ayudas y tutoriales integrados.</a:t>
+            </a:r>
+          </a:p>
+          <a:p>
+            <a:pPr lvl="1"/>
+            <a:r>
+              <a:rPr lang="es-ES" dirty="0" smtClean="0"/>
+              <a:t>Laboratorios asistidos.</a:t>
+            </a:r>
+          </a:p>
+          <a:p>
+            <a:pPr lvl="1"/>
+            <a:r>
+              <a:rPr lang="es-ES" dirty="0" smtClean="0"/>
+              <a:t>Generación de reportes y análisis de tráfico</a:t>
+            </a:r>
+          </a:p>
+          <a:p>
+            <a:pPr lvl="1"/>
+            <a:r>
+              <a:rPr lang="es-ES" dirty="0" smtClean="0"/>
+              <a:t>Evaluaciones integradas.</a:t>
+            </a:r>
+          </a:p>
+          <a:p>
+            <a:pPr lvl="1"/>
+            <a:r>
+              <a:rPr lang="es-ES" dirty="0" smtClean="0"/>
+              <a:t>Desarrollos especializados en </a:t>
+            </a:r>
+            <a:r>
+              <a:rPr lang="es-ES" dirty="0" err="1" smtClean="0"/>
+              <a:t>virtualización</a:t>
+            </a:r>
+            <a:r>
+              <a:rPr lang="es-ES" dirty="0" smtClean="0"/>
+              <a:t> (</a:t>
+            </a:r>
+            <a:r>
+              <a:rPr lang="es-ES" dirty="0" err="1" smtClean="0"/>
+              <a:t>AudioVisual</a:t>
+            </a:r>
+            <a:r>
+              <a:rPr lang="es-ES" dirty="0" smtClean="0"/>
+              <a:t>, chat, </a:t>
+            </a:r>
+            <a:r>
+              <a:rPr lang="es-ES" dirty="0" err="1" smtClean="0"/>
+              <a:t>etc</a:t>
+            </a:r>
+            <a:r>
+              <a:rPr lang="es-ES" dirty="0" smtClean="0"/>
+              <a:t>)</a:t>
+            </a:r>
+          </a:p>
+          <a:p>
+            <a:pPr lvl="1"/>
+            <a:r>
+              <a:rPr lang="es-ES" dirty="0" smtClean="0"/>
+              <a:t>Vista WEB de la red</a:t>
+            </a:r>
+          </a:p>
+          <a:p>
+            <a:pPr lvl="1"/>
+            <a:r>
+              <a:rPr lang="es-ES" dirty="0" smtClean="0"/>
+              <a:t>IPV6</a:t>
+            </a:r>
+          </a:p>
+          <a:p>
+            <a:pPr lvl="1"/>
+            <a:r>
+              <a:rPr lang="es-ES" dirty="0" smtClean="0"/>
+              <a:t>Suite de Simulación:</a:t>
+            </a:r>
+          </a:p>
+          <a:p>
+            <a:pPr lvl="2"/>
+            <a:r>
+              <a:rPr lang="es-ES" dirty="0" smtClean="0"/>
+              <a:t>Arquitectura de Procesadores</a:t>
+            </a:r>
+          </a:p>
+          <a:p>
+            <a:pPr lvl="2"/>
+            <a:r>
+              <a:rPr lang="es-ES" dirty="0" smtClean="0"/>
+              <a:t>Materiales e instrumentos electrónicos</a:t>
+            </a:r>
+          </a:p>
+          <a:p>
+            <a:pPr lvl="2"/>
+            <a:r>
+              <a:rPr lang="es-ES" dirty="0" err="1" smtClean="0"/>
+              <a:t>Next</a:t>
+            </a:r>
+            <a:r>
+              <a:rPr lang="es-ES" dirty="0" smtClean="0"/>
+              <a:t> </a:t>
+            </a:r>
+            <a:r>
+              <a:rPr lang="es-ES" dirty="0" err="1" smtClean="0"/>
+              <a:t>Generation</a:t>
+            </a:r>
+            <a:r>
+              <a:rPr lang="es-ES" dirty="0" smtClean="0"/>
+              <a:t> Networks</a:t>
+            </a:r>
+          </a:p>
+          <a:p>
+            <a:r>
+              <a:rPr lang="es-ES" dirty="0" err="1" smtClean="0"/>
+              <a:t>RoadMap</a:t>
+            </a:r>
+            <a:r>
+              <a:rPr lang="es-ES" dirty="0" smtClean="0"/>
+              <a:t> Empresarial</a:t>
+            </a:r>
+          </a:p>
+          <a:p>
+            <a:pPr lvl="1"/>
+            <a:r>
+              <a:rPr lang="es-ES" dirty="0" smtClean="0"/>
+              <a:t>Aprovisionamiento e Inventario de equipos y protocolos.</a:t>
+            </a:r>
+          </a:p>
+          <a:p>
+            <a:pPr lvl="1"/>
+            <a:r>
+              <a:rPr lang="es-ES" dirty="0" smtClean="0"/>
+              <a:t>Posicionamiento </a:t>
+            </a:r>
+            <a:r>
+              <a:rPr lang="es-ES" dirty="0" err="1" smtClean="0"/>
+              <a:t>Georeferenciado</a:t>
+            </a:r>
+            <a:r>
+              <a:rPr lang="es-ES" dirty="0" smtClean="0"/>
+              <a:t> de estaciones (</a:t>
+            </a:r>
+            <a:r>
+              <a:rPr lang="es-ES" dirty="0" err="1" smtClean="0"/>
+              <a:t>SharpMap</a:t>
+            </a:r>
+            <a:r>
+              <a:rPr lang="es-ES" dirty="0" smtClean="0"/>
+              <a:t>)</a:t>
+            </a:r>
+          </a:p>
+          <a:p>
+            <a:pPr lvl="1"/>
+            <a:r>
+              <a:rPr lang="es-ES" dirty="0" smtClean="0"/>
+              <a:t>Topología de la red de un operador de redes de Datos.</a:t>
+            </a:r>
+          </a:p>
+          <a:p>
+            <a:pPr lvl="1"/>
+            <a:r>
+              <a:rPr lang="es-ES" dirty="0" smtClean="0"/>
+              <a:t>Comunicación y sincronización con equipos(SNMP SSH </a:t>
+            </a:r>
+            <a:r>
+              <a:rPr lang="es-ES" dirty="0" err="1" smtClean="0"/>
+              <a:t>TelNet</a:t>
+            </a:r>
+            <a:r>
+              <a:rPr lang="es-ES" dirty="0" smtClean="0"/>
+              <a:t>) </a:t>
+            </a:r>
+            <a:r>
+              <a:rPr lang="es-ES" dirty="0" err="1" smtClean="0"/>
+              <a:t>via</a:t>
+            </a:r>
+            <a:r>
+              <a:rPr lang="es-ES" dirty="0" smtClean="0"/>
+              <a:t> SOA</a:t>
+            </a:r>
+          </a:p>
+          <a:p>
+            <a:pPr lvl="1"/>
+            <a:r>
+              <a:rPr lang="es-ES" dirty="0" err="1" smtClean="0"/>
+              <a:t>WorkFlow</a:t>
+            </a:r>
+            <a:r>
+              <a:rPr lang="es-ES" dirty="0" smtClean="0"/>
+              <a:t> de Procesos.</a:t>
+            </a:r>
+          </a:p>
+          <a:p>
+            <a:pPr lvl="1"/>
+            <a:r>
+              <a:rPr lang="es-ES" dirty="0" smtClean="0"/>
+              <a:t>Planeación de la red.</a:t>
+            </a:r>
+          </a:p>
+          <a:p>
+            <a:pPr lvl="1"/>
+            <a:r>
+              <a:rPr lang="es-ES" dirty="0" smtClean="0"/>
+              <a:t>Análisis y reportes gerenciales de la red</a:t>
+            </a:r>
+          </a:p>
+          <a:p>
+            <a:pPr lvl="1"/>
+            <a:r>
+              <a:rPr lang="es-ES" dirty="0" smtClean="0"/>
+              <a:t>Conexión a motores de bases de datos empresariales</a:t>
+            </a:r>
+          </a:p>
+          <a:p>
+            <a:r>
+              <a:rPr lang="es-ES" dirty="0" smtClean="0"/>
+              <a:t>Conclusiones</a:t>
+            </a:r>
+          </a:p>
+          <a:p>
+            <a:r>
+              <a:rPr lang="es-ES" dirty="0" smtClean="0"/>
+              <a:t>Preguntas</a:t>
+            </a:r>
+          </a:p>
+          <a:p>
+            <a:pPr lvl="1"/>
+            <a:endParaRPr lang="es-ES" dirty="0"/>
+          </a:p>
+          <a:p>
+            <a:pPr lvl="1">
+              <a:buNone/>
+            </a:pPr>
+            <a:endParaRPr lang="es-ES" dirty="0" smtClean="0"/>
+          </a:p>
+        </p:txBody>
+      </p:sp>
+    </p:spTree>
+  </p:cSld>
+  <p:clrMapOvr>
+    <a:masterClrMapping/>
+  </p:clrMapOvr>
+  <p:timing>
+    <p:tnLst>
+      <p:par>
+        <p:cTn id="1" dur="indefinite" restart="never" nodeType="tmRoot"/>
+      </p:par>
+    </p:tnLst>
+  </p:timing>
+</p:sld>
+</file>
+
+<file path=ppt/slides/slide4.xml><?xml version="1.0" encoding="utf-8"?>
+<p:sld xmlns:a="http://schemas.openxmlformats.org/drawingml/2006/main" xmlns:r="http://schemas.openxmlformats.org/officeDocument/2006/relationships" xmlns:p="http://schemas.openxmlformats.org/presentationml/2006/main">
+  <p:cSld>
+    <p:spTree>
+      <p:nvGrpSpPr>
+        <p:cNvPr id="1" name=""/>
+        <p:cNvGrpSpPr/>
+        <p:nvPr/>
+      </p:nvGrpSpPr>
+      <p:grpSpPr>
+        <a:xfrm>
+          <a:off x="0" y="0"/>
+          <a:ext cx="0" cy="0"/>
+          <a:chOff x="0" y="0"/>
+          <a:chExt cx="0" cy="0"/>
+        </a:xfrm>
+      </p:grpSpPr>
+      <p:sp>
+        <p:nvSpPr>
+          <p:cNvPr id="2" name="1 Título"/>
+          <p:cNvSpPr>
+            <a:spLocks noGrp="1"/>
+          </p:cNvSpPr>
+          <p:nvPr>
+            <p:ph type="title"/>
+          </p:nvPr>
+        </p:nvSpPr>
+        <p:spPr/>
+        <p:txBody>
+          <a:bodyPr/>
+          <a:lstStyle/>
+          <a:p>
+            <a:endParaRPr lang="en-US"/>
+          </a:p>
+        </p:txBody>
+      </p:sp>
+      <p:sp>
+        <p:nvSpPr>
+          <p:cNvPr id="3" name="2 Marcador de contenido"/>
+          <p:cNvSpPr>
+            <a:spLocks noGrp="1"/>
+          </p:cNvSpPr>
+          <p:nvPr>
+            <p:ph idx="1"/>
+          </p:nvPr>
+        </p:nvSpPr>
+        <p:spPr/>
+        <p:txBody>
+          <a:bodyPr/>
+          <a:lstStyle/>
+          <a:p>
+            <a:endParaRPr lang="en-US"/>
+          </a:p>
+        </p:txBody>
+      </p:sp>
+    </p:spTree>
+  </p:cSld>
+  <p:clrMapOvr>
+    <a:masterClrMapping/>
+  </p:clrMapOvr>
+  <p:timing>
+    <p:tnLst>
+      <p:par>
+        <p:cTn id="1" dur="indefinite" restart="never" nodeType="tmRoot"/>
+      </p:par>
+    </p:tnLst>
+  </p:timing>
 </p:sld>
 </file>
 

--- a/presentacion sustentacion.pptx
+++ b/presentacion sustentacion.pptx
@@ -291,6 +291,7 @@
           <a:p>
             <a:fld id="{F243F5A9-77BB-41DD-B7FB-10020009672E}" type="datetimeFigureOut">
               <a:rPr lang="en-US" smtClean="0"/>
+              <a:pPr/>
               <a:t>11/30/2008</a:t>
             </a:fld>
             <a:endParaRPr lang="en-US"/>
@@ -333,6 +334,7 @@
           <a:p>
             <a:fld id="{4925B9AD-C6AC-461B-B404-65DCE5552FC6}" type="slidenum">
               <a:rPr lang="en-US" smtClean="0"/>
+              <a:pPr/>
               <a:t>‹Nº›</a:t>
             </a:fld>
             <a:endParaRPr lang="en-US"/>
@@ -456,6 +458,7 @@
           <a:p>
             <a:fld id="{F243F5A9-77BB-41DD-B7FB-10020009672E}" type="datetimeFigureOut">
               <a:rPr lang="en-US" smtClean="0"/>
+              <a:pPr/>
               <a:t>11/30/2008</a:t>
             </a:fld>
             <a:endParaRPr lang="en-US"/>
@@ -498,6 +501,7 @@
           <a:p>
             <a:fld id="{4925B9AD-C6AC-461B-B404-65DCE5552FC6}" type="slidenum">
               <a:rPr lang="en-US" smtClean="0"/>
+              <a:pPr/>
               <a:t>‹Nº›</a:t>
             </a:fld>
             <a:endParaRPr lang="en-US"/>
@@ -631,6 +635,7 @@
           <a:p>
             <a:fld id="{F243F5A9-77BB-41DD-B7FB-10020009672E}" type="datetimeFigureOut">
               <a:rPr lang="en-US" smtClean="0"/>
+              <a:pPr/>
               <a:t>11/30/2008</a:t>
             </a:fld>
             <a:endParaRPr lang="en-US"/>
@@ -673,6 +678,7 @@
           <a:p>
             <a:fld id="{4925B9AD-C6AC-461B-B404-65DCE5552FC6}" type="slidenum">
               <a:rPr lang="en-US" smtClean="0"/>
+              <a:pPr/>
               <a:t>‹Nº›</a:t>
             </a:fld>
             <a:endParaRPr lang="en-US"/>
@@ -796,6 +802,7 @@
           <a:p>
             <a:fld id="{F243F5A9-77BB-41DD-B7FB-10020009672E}" type="datetimeFigureOut">
               <a:rPr lang="en-US" smtClean="0"/>
+              <a:pPr/>
               <a:t>11/30/2008</a:t>
             </a:fld>
             <a:endParaRPr lang="en-US"/>
@@ -838,6 +845,7 @@
           <a:p>
             <a:fld id="{4925B9AD-C6AC-461B-B404-65DCE5552FC6}" type="slidenum">
               <a:rPr lang="en-US" smtClean="0"/>
+              <a:pPr/>
               <a:t>‹Nº›</a:t>
             </a:fld>
             <a:endParaRPr lang="en-US"/>
@@ -1037,6 +1045,7 @@
           <a:p>
             <a:fld id="{F243F5A9-77BB-41DD-B7FB-10020009672E}" type="datetimeFigureOut">
               <a:rPr lang="en-US" smtClean="0"/>
+              <a:pPr/>
               <a:t>11/30/2008</a:t>
             </a:fld>
             <a:endParaRPr lang="en-US"/>
@@ -1079,6 +1088,7 @@
           <a:p>
             <a:fld id="{4925B9AD-C6AC-461B-B404-65DCE5552FC6}" type="slidenum">
               <a:rPr lang="en-US" smtClean="0"/>
+              <a:pPr/>
               <a:t>‹Nº›</a:t>
             </a:fld>
             <a:endParaRPr lang="en-US"/>
@@ -1320,6 +1330,7 @@
           <a:p>
             <a:fld id="{F243F5A9-77BB-41DD-B7FB-10020009672E}" type="datetimeFigureOut">
               <a:rPr lang="en-US" smtClean="0"/>
+              <a:pPr/>
               <a:t>11/30/2008</a:t>
             </a:fld>
             <a:endParaRPr lang="en-US"/>
@@ -1362,6 +1373,7 @@
           <a:p>
             <a:fld id="{4925B9AD-C6AC-461B-B404-65DCE5552FC6}" type="slidenum">
               <a:rPr lang="en-US" smtClean="0"/>
+              <a:pPr/>
               <a:t>‹Nº›</a:t>
             </a:fld>
             <a:endParaRPr lang="en-US"/>
@@ -1737,6 +1749,7 @@
           <a:p>
             <a:fld id="{F243F5A9-77BB-41DD-B7FB-10020009672E}" type="datetimeFigureOut">
               <a:rPr lang="en-US" smtClean="0"/>
+              <a:pPr/>
               <a:t>11/30/2008</a:t>
             </a:fld>
             <a:endParaRPr lang="en-US"/>
@@ -1779,6 +1792,7 @@
           <a:p>
             <a:fld id="{4925B9AD-C6AC-461B-B404-65DCE5552FC6}" type="slidenum">
               <a:rPr lang="en-US" smtClean="0"/>
+              <a:pPr/>
               <a:t>‹Nº›</a:t>
             </a:fld>
             <a:endParaRPr lang="en-US"/>
@@ -1850,6 +1864,7 @@
           <a:p>
             <a:fld id="{F243F5A9-77BB-41DD-B7FB-10020009672E}" type="datetimeFigureOut">
               <a:rPr lang="en-US" smtClean="0"/>
+              <a:pPr/>
               <a:t>11/30/2008</a:t>
             </a:fld>
             <a:endParaRPr lang="en-US"/>
@@ -1892,6 +1907,7 @@
           <a:p>
             <a:fld id="{4925B9AD-C6AC-461B-B404-65DCE5552FC6}" type="slidenum">
               <a:rPr lang="en-US" smtClean="0"/>
+              <a:pPr/>
               <a:t>‹Nº›</a:t>
             </a:fld>
             <a:endParaRPr lang="en-US"/>
@@ -1940,6 +1956,7 @@
           <a:p>
             <a:fld id="{F243F5A9-77BB-41DD-B7FB-10020009672E}" type="datetimeFigureOut">
               <a:rPr lang="en-US" smtClean="0"/>
+              <a:pPr/>
               <a:t>11/30/2008</a:t>
             </a:fld>
             <a:endParaRPr lang="en-US"/>
@@ -1982,6 +1999,7 @@
           <a:p>
             <a:fld id="{4925B9AD-C6AC-461B-B404-65DCE5552FC6}" type="slidenum">
               <a:rPr lang="en-US" smtClean="0"/>
+              <a:pPr/>
               <a:t>‹Nº›</a:t>
             </a:fld>
             <a:endParaRPr lang="en-US"/>
@@ -2212,6 +2230,7 @@
           <a:p>
             <a:fld id="{F243F5A9-77BB-41DD-B7FB-10020009672E}" type="datetimeFigureOut">
               <a:rPr lang="en-US" smtClean="0"/>
+              <a:pPr/>
               <a:t>11/30/2008</a:t>
             </a:fld>
             <a:endParaRPr lang="en-US"/>
@@ -2254,6 +2273,7 @@
           <a:p>
             <a:fld id="{4925B9AD-C6AC-461B-B404-65DCE5552FC6}" type="slidenum">
               <a:rPr lang="en-US" smtClean="0"/>
+              <a:pPr/>
               <a:t>‹Nº›</a:t>
             </a:fld>
             <a:endParaRPr lang="en-US"/>
@@ -2460,6 +2480,7 @@
           <a:p>
             <a:fld id="{F243F5A9-77BB-41DD-B7FB-10020009672E}" type="datetimeFigureOut">
               <a:rPr lang="en-US" smtClean="0"/>
+              <a:pPr/>
               <a:t>11/30/2008</a:t>
             </a:fld>
             <a:endParaRPr lang="en-US"/>
@@ -2502,6 +2523,7 @@
           <a:p>
             <a:fld id="{4925B9AD-C6AC-461B-B404-65DCE5552FC6}" type="slidenum">
               <a:rPr lang="en-US" smtClean="0"/>
+              <a:pPr/>
               <a:t>‹Nº›</a:t>
             </a:fld>
             <a:endParaRPr lang="en-US"/>
@@ -2668,6 +2690,7 @@
           <a:p>
             <a:fld id="{F243F5A9-77BB-41DD-B7FB-10020009672E}" type="datetimeFigureOut">
               <a:rPr lang="en-US" smtClean="0"/>
+              <a:pPr/>
               <a:t>11/30/2008</a:t>
             </a:fld>
             <a:endParaRPr lang="en-US"/>
@@ -2746,6 +2769,7 @@
           <a:p>
             <a:fld id="{4925B9AD-C6AC-461B-B404-65DCE5552FC6}" type="slidenum">
               <a:rPr lang="en-US" smtClean="0"/>
+              <a:pPr/>
               <a:t>‹Nº›</a:t>
             </a:fld>
             <a:endParaRPr lang="en-US"/>
@@ -3184,13 +3208,17 @@
           <a:p>
             <a:r>
               <a:rPr lang="es-ES" dirty="0" smtClean="0"/>
-              <a:t>Características Principales</a:t>
-            </a:r>
-          </a:p>
-          <a:p>
+              <a:t>Características </a:t>
+            </a:r>
             <a:r>
               <a:rPr lang="es-ES" dirty="0" smtClean="0"/>
-              <a:t>Arquitectura de la </a:t>
+              <a:t>Principales</a:t>
+            </a:r>
+          </a:p>
+          <a:p>
+            <a:r>
+              <a:rPr lang="es-ES" dirty="0" smtClean="0"/>
+              <a:t>Campos de Acción de la </a:t>
             </a:r>
             <a:r>
               <a:rPr lang="es-ES" dirty="0" smtClean="0"/>
@@ -3201,14 +3229,17 @@
           <a:p>
             <a:r>
               <a:rPr lang="es-ES" dirty="0" smtClean="0"/>
-              <a:t>Campos de Acción de la herramienta</a:t>
-            </a:r>
-            <a:endParaRPr lang="es-ES" dirty="0" smtClean="0"/>
+              <a:t>Arquitectura de la herramienta</a:t>
+            </a:r>
           </a:p>
           <a:p>
             <a:r>
               <a:rPr lang="es-ES" dirty="0" smtClean="0"/>
-              <a:t>Tecnologías Usadas durante el proyecto	</a:t>
+              <a:t>Tecnologías </a:t>
+            </a:r>
+            <a:r>
+              <a:rPr lang="es-ES" dirty="0" smtClean="0"/>
+              <a:t>Usadas durante el proyecto	</a:t>
             </a:r>
           </a:p>
           <a:p>
@@ -3220,45 +3251,26 @@
           <a:p>
             <a:r>
               <a:rPr lang="es-ES" dirty="0" smtClean="0"/>
-              <a:t>Extensibilidad de la </a:t>
-            </a:r>
-            <a:r>
-              <a:rPr lang="es-ES" dirty="0" smtClean="0"/>
-              <a:t>herramienta</a:t>
-            </a:r>
-            <a:endParaRPr lang="es-ES" dirty="0" smtClean="0"/>
+              <a:t>Extensibilidad de la herramienta</a:t>
+            </a:r>
           </a:p>
           <a:p>
             <a:r>
               <a:rPr lang="es-ES" dirty="0" smtClean="0"/>
               <a:t>Documentación y mantenimiento de la herramienta</a:t>
             </a:r>
-            <a:endParaRPr lang="es-ES" dirty="0" smtClean="0"/>
           </a:p>
           <a:p>
             <a:r>
               <a:rPr lang="es-ES" dirty="0" smtClean="0"/>
-              <a:t>Expectativas  de la </a:t>
-            </a:r>
+              <a:t>Expectativas  de la herramienta :</a:t>
+            </a:r>
+          </a:p>
+          <a:p>
             <a:r>
               <a:rPr lang="es-ES" dirty="0" smtClean="0"/>
-              <a:t>herramienta </a:t>
-            </a:r>
-            <a:r>
-              <a:rPr lang="es-ES" dirty="0" smtClean="0"/>
-              <a:t>:</a:t>
-            </a:r>
-          </a:p>
-          <a:p>
-            <a:r>
-              <a:rPr lang="es-ES" dirty="0" smtClean="0"/>
-              <a:t>Comparación con otros </a:t>
-            </a:r>
-            <a:r>
-              <a:rPr lang="es-ES" dirty="0" smtClean="0"/>
-              <a:t>herramientas similares</a:t>
-            </a:r>
-            <a:endParaRPr lang="es-ES" dirty="0" smtClean="0"/>
+              <a:t>Comparación con otros herramientas similares</a:t>
+            </a:r>
           </a:p>
           <a:p>
             <a:r>
@@ -3269,11 +3281,7 @@
           <a:p>
             <a:r>
               <a:rPr lang="es-ES" dirty="0" smtClean="0"/>
-              <a:t>Visión </a:t>
-            </a:r>
-            <a:r>
-              <a:rPr lang="es-ES" dirty="0" smtClean="0"/>
-              <a:t>Empresarial</a:t>
+              <a:t>Visión Empresarial</a:t>
             </a:r>
           </a:p>
           <a:p>
@@ -3344,864 +3352,860 @@
         </p:nvSpPr>
         <p:spPr>
           <a:xfrm>
-            <a:off x="457200" y="357166"/>
-            <a:ext cx="8229600" cy="6286544"/>
+            <a:off x="0" y="142852"/>
+            <a:ext cx="9144000" cy="6715148"/>
           </a:xfrm>
         </p:spPr>
         <p:txBody>
-          <a:bodyPr numCol="2">
+          <a:bodyPr numCol="2" anchor="ctr">
             <a:normAutofit fontScale="25000" lnSpcReduction="20000"/>
           </a:bodyPr>
           <a:lstStyle/>
           <a:p>
             <a:r>
-              <a:rPr lang="es-ES" dirty="0" smtClean="0"/>
+              <a:rPr lang="es-ES" sz="3700" dirty="0" smtClean="0"/>
               <a:t>Introducción</a:t>
             </a:r>
           </a:p>
           <a:p>
             <a:r>
-              <a:rPr lang="es-ES" dirty="0" smtClean="0"/>
+              <a:rPr lang="es-ES" sz="3700" dirty="0" smtClean="0"/>
               <a:t>Características Principales:</a:t>
             </a:r>
           </a:p>
           <a:p>
             <a:pPr lvl="1"/>
             <a:r>
-              <a:rPr lang="es-ES" dirty="0" smtClean="0"/>
+              <a:rPr lang="es-ES" sz="3700" dirty="0" smtClean="0"/>
               <a:t>Protocolos</a:t>
             </a:r>
           </a:p>
           <a:p>
             <a:pPr lvl="1"/>
             <a:r>
-              <a:rPr lang="es-ES" dirty="0" smtClean="0"/>
+              <a:rPr lang="es-ES" sz="3700" dirty="0" smtClean="0"/>
               <a:t>Equipos (</a:t>
             </a:r>
             <a:r>
-              <a:rPr lang="es-ES" dirty="0" err="1" smtClean="0"/>
+              <a:rPr lang="es-ES" sz="3700" dirty="0" err="1" smtClean="0"/>
               <a:t>Multivendor</a:t>
             </a:r>
             <a:r>
-              <a:rPr lang="es-ES" dirty="0" smtClean="0"/>
+              <a:rPr lang="es-ES" sz="3700" dirty="0" smtClean="0"/>
               <a:t>)</a:t>
             </a:r>
           </a:p>
           <a:p>
             <a:pPr lvl="1"/>
             <a:r>
-              <a:rPr lang="es-ES" dirty="0" smtClean="0"/>
+              <a:rPr lang="es-ES" sz="3700" dirty="0" smtClean="0"/>
               <a:t>Modelo OSI</a:t>
             </a:r>
           </a:p>
           <a:p>
             <a:pPr lvl="1"/>
             <a:r>
-              <a:rPr lang="es-ES" dirty="0" smtClean="0"/>
+              <a:rPr lang="es-ES" sz="3700" dirty="0" smtClean="0"/>
               <a:t>Puntas de medición (</a:t>
             </a:r>
             <a:r>
-              <a:rPr lang="es-ES" dirty="0" err="1" smtClean="0"/>
+              <a:rPr lang="es-ES" sz="3700" dirty="0" err="1" smtClean="0"/>
               <a:t>sniffer</a:t>
             </a:r>
             <a:r>
-              <a:rPr lang="es-ES" dirty="0" smtClean="0"/>
+              <a:rPr lang="es-ES" sz="3700" dirty="0" smtClean="0"/>
               <a:t>)</a:t>
             </a:r>
           </a:p>
           <a:p>
             <a:pPr lvl="1"/>
             <a:r>
-              <a:rPr lang="es-ES" dirty="0" smtClean="0"/>
+              <a:rPr lang="es-ES" sz="3700" dirty="0" smtClean="0"/>
               <a:t>Acceso Compartido</a:t>
             </a:r>
           </a:p>
           <a:p>
             <a:pPr lvl="1"/>
             <a:r>
-              <a:rPr lang="es-ES" dirty="0" smtClean="0"/>
+              <a:rPr lang="es-ES" sz="3700" dirty="0" smtClean="0"/>
               <a:t>Acceso a base de datos</a:t>
             </a:r>
           </a:p>
           <a:p>
             <a:pPr lvl="1"/>
             <a:r>
-              <a:rPr lang="en-GB" dirty="0" smtClean="0"/>
-              <a:t>Real-Time and Simulation Modes</a:t>
-            </a:r>
-          </a:p>
-          <a:p>
-            <a:pPr lvl="1"/>
-            <a:endParaRPr lang="es-ES" dirty="0" smtClean="0"/>
-          </a:p>
-          <a:p>
-            <a:r>
-              <a:rPr lang="es-ES" dirty="0" smtClean="0"/>
+              <a:rPr lang="en-GB" sz="3700" dirty="0" smtClean="0"/>
+              <a:t>Real-Time and Simulation </a:t>
+            </a:r>
+            <a:r>
+              <a:rPr lang="en-GB" sz="3700" dirty="0" smtClean="0"/>
+              <a:t>Modes</a:t>
+            </a:r>
+          </a:p>
+          <a:p>
+            <a:r>
+              <a:rPr lang="es-ES" sz="3700" dirty="0" smtClean="0"/>
+              <a:t>Campos de Acción(Beneficios):</a:t>
+            </a:r>
+          </a:p>
+          <a:p>
+            <a:pPr lvl="1"/>
+            <a:r>
+              <a:rPr lang="es-ES" sz="3700" dirty="0" smtClean="0"/>
+              <a:t>Educativo</a:t>
+            </a:r>
+          </a:p>
+          <a:p>
+            <a:pPr lvl="1"/>
+            <a:r>
+              <a:rPr lang="es-ES" sz="3700" dirty="0" smtClean="0"/>
+              <a:t>Empresarial</a:t>
+            </a:r>
+          </a:p>
+          <a:p>
+            <a:r>
+              <a:rPr lang="es-ES" sz="3700" dirty="0" smtClean="0"/>
               <a:t>Arquitectura</a:t>
             </a:r>
-          </a:p>
-          <a:p>
-            <a:pPr lvl="1"/>
-            <a:r>
-              <a:rPr lang="es-ES" dirty="0" smtClean="0"/>
+            <a:endParaRPr lang="es-ES" sz="3700" dirty="0" smtClean="0"/>
+          </a:p>
+          <a:p>
+            <a:pPr lvl="1"/>
+            <a:r>
+              <a:rPr lang="es-ES" sz="3700" dirty="0" smtClean="0"/>
               <a:t>POO</a:t>
             </a:r>
           </a:p>
           <a:p>
             <a:pPr lvl="1"/>
             <a:r>
-              <a:rPr lang="es-ES" dirty="0" smtClean="0"/>
+              <a:rPr lang="es-ES" sz="3700" dirty="0" smtClean="0"/>
               <a:t>N TIER</a:t>
             </a:r>
           </a:p>
           <a:p>
             <a:pPr lvl="1"/>
             <a:r>
-              <a:rPr lang="es-ES" dirty="0" smtClean="0"/>
+              <a:rPr lang="es-ES" sz="3700" dirty="0" smtClean="0"/>
               <a:t>MVP</a:t>
             </a:r>
           </a:p>
           <a:p>
             <a:pPr lvl="1"/>
             <a:r>
-              <a:rPr lang="es-ES" dirty="0" smtClean="0"/>
+              <a:rPr lang="es-ES" sz="3700" dirty="0" smtClean="0"/>
               <a:t>Diagrama de Clases</a:t>
             </a:r>
           </a:p>
           <a:p>
             <a:pPr lvl="1"/>
             <a:r>
-              <a:rPr lang="es-ES" dirty="0" smtClean="0"/>
-              <a:t>Diagrama de base de datos</a:t>
-            </a:r>
-          </a:p>
-          <a:p>
-            <a:pPr lvl="1"/>
-            <a:r>
-              <a:rPr lang="es-ES" dirty="0" smtClean="0"/>
-              <a:t>Organización de la </a:t>
-            </a:r>
-            <a:r>
-              <a:rPr lang="es-ES" dirty="0" err="1" smtClean="0"/>
+              <a:rPr lang="es-ES" sz="3700" dirty="0" smtClean="0"/>
+              <a:t>Diagrama de base de </a:t>
+            </a:r>
+            <a:r>
+              <a:rPr lang="es-ES" sz="3700" dirty="0" smtClean="0"/>
+              <a:t>datos</a:t>
+            </a:r>
+          </a:p>
+          <a:p>
+            <a:pPr lvl="1"/>
+            <a:r>
+              <a:rPr lang="es-ES" sz="3700" dirty="0" smtClean="0"/>
+              <a:t>Organización </a:t>
+            </a:r>
+            <a:r>
+              <a:rPr lang="es-ES" sz="3700" dirty="0" smtClean="0"/>
+              <a:t>de la </a:t>
+            </a:r>
+            <a:r>
+              <a:rPr lang="es-ES" sz="3700" dirty="0" err="1" smtClean="0"/>
               <a:t>solucion</a:t>
             </a:r>
             <a:r>
-              <a:rPr lang="es-ES" dirty="0" smtClean="0"/>
-              <a:t> en VS</a:t>
-            </a:r>
-          </a:p>
-          <a:p>
-            <a:r>
-              <a:rPr lang="es-ES" dirty="0" smtClean="0"/>
-              <a:t>Campos de Acción(Beneficios):</a:t>
-            </a:r>
-          </a:p>
-          <a:p>
-            <a:pPr lvl="1"/>
-            <a:r>
-              <a:rPr lang="es-ES" dirty="0" smtClean="0"/>
-              <a:t>Educativo</a:t>
-            </a:r>
-          </a:p>
-          <a:p>
-            <a:pPr lvl="1"/>
-            <a:r>
-              <a:rPr lang="es-ES" dirty="0" smtClean="0"/>
-              <a:t>Empresarial</a:t>
-            </a:r>
-          </a:p>
-          <a:p>
-            <a:pPr lvl="1"/>
-            <a:endParaRPr lang="es-ES" dirty="0" smtClean="0"/>
-          </a:p>
-          <a:p>
-            <a:r>
-              <a:rPr lang="es-ES" dirty="0" smtClean="0"/>
+              <a:rPr lang="es-ES" sz="3700" dirty="0" smtClean="0"/>
+              <a:t> en </a:t>
+            </a:r>
+            <a:r>
+              <a:rPr lang="es-ES" sz="3700" dirty="0" smtClean="0"/>
+              <a:t>VS</a:t>
+            </a:r>
+            <a:endParaRPr lang="es-ES" sz="3700" dirty="0" smtClean="0"/>
+          </a:p>
+          <a:p>
+            <a:r>
+              <a:rPr lang="es-ES" sz="3700" dirty="0" smtClean="0"/>
               <a:t>Tecnologías Usadas:</a:t>
             </a:r>
           </a:p>
           <a:p>
             <a:pPr lvl="1"/>
             <a:r>
-              <a:rPr lang="es-ES" dirty="0" err="1" smtClean="0"/>
+              <a:rPr lang="es-ES" sz="3700" dirty="0" err="1" smtClean="0"/>
               <a:t>.net</a:t>
             </a:r>
             <a:r>
-              <a:rPr lang="es-ES" dirty="0" smtClean="0"/>
+              <a:rPr lang="es-ES" sz="3700" dirty="0" smtClean="0"/>
               <a:t> </a:t>
             </a:r>
             <a:r>
-              <a:rPr lang="es-ES" dirty="0" err="1" smtClean="0"/>
+              <a:rPr lang="es-ES" sz="3700" dirty="0" err="1" smtClean="0"/>
               <a:t>framework</a:t>
             </a:r>
-            <a:endParaRPr lang="es-ES" dirty="0" smtClean="0"/>
+            <a:endParaRPr lang="es-ES" sz="3700" dirty="0" smtClean="0"/>
           </a:p>
           <a:p>
             <a:pPr lvl="2"/>
             <a:r>
-              <a:rPr lang="es-ES" dirty="0" err="1" smtClean="0"/>
+              <a:rPr lang="es-ES" sz="3700" dirty="0" err="1" smtClean="0"/>
               <a:t>Definicion</a:t>
             </a:r>
-            <a:endParaRPr lang="es-ES" dirty="0" smtClean="0"/>
+            <a:endParaRPr lang="es-ES" sz="3700" dirty="0" smtClean="0"/>
           </a:p>
           <a:p>
             <a:pPr lvl="2"/>
             <a:r>
-              <a:rPr lang="es-ES" dirty="0" err="1" smtClean="0"/>
+              <a:rPr lang="es-ES" sz="3700" dirty="0" err="1" smtClean="0"/>
               <a:t>.Net</a:t>
             </a:r>
             <a:r>
-              <a:rPr lang="es-ES" dirty="0" smtClean="0"/>
+              <a:rPr lang="es-ES" sz="3700" dirty="0" smtClean="0"/>
               <a:t> sobre Java </a:t>
             </a:r>
             <a:r>
-              <a:rPr lang="es-ES" dirty="0" err="1" smtClean="0"/>
+              <a:rPr lang="es-ES" sz="3700" dirty="0" err="1" smtClean="0"/>
               <a:t>porq</a:t>
             </a:r>
             <a:r>
-              <a:rPr lang="es-ES" dirty="0" smtClean="0"/>
+              <a:rPr lang="es-ES" sz="3700" dirty="0" smtClean="0"/>
               <a:t> </a:t>
             </a:r>
             <a:r>
-              <a:rPr lang="es-ES" dirty="0" err="1" smtClean="0"/>
+              <a:rPr lang="es-ES" sz="3700" dirty="0" err="1" smtClean="0"/>
               <a:t>.net</a:t>
             </a:r>
             <a:r>
-              <a:rPr lang="es-ES" dirty="0"/>
+              <a:rPr lang="es-ES" sz="3700" dirty="0"/>
               <a:t>¿</a:t>
             </a:r>
-            <a:endParaRPr lang="es-ES" dirty="0" smtClean="0"/>
+            <a:endParaRPr lang="es-ES" sz="3700" dirty="0" smtClean="0"/>
           </a:p>
           <a:p>
             <a:pPr lvl="2"/>
             <a:r>
-              <a:rPr lang="es-ES" dirty="0" smtClean="0"/>
+              <a:rPr lang="es-ES" sz="3700" dirty="0" smtClean="0"/>
               <a:t>Arquitectura</a:t>
             </a:r>
           </a:p>
           <a:p>
             <a:pPr lvl="2"/>
             <a:r>
-              <a:rPr lang="es-ES" dirty="0" err="1" smtClean="0"/>
+              <a:rPr lang="es-ES" sz="3700" dirty="0" err="1" smtClean="0"/>
               <a:t>Multi</a:t>
             </a:r>
             <a:r>
-              <a:rPr lang="es-ES" dirty="0" smtClean="0"/>
+              <a:rPr lang="es-ES" sz="3700" dirty="0" smtClean="0"/>
               <a:t> </a:t>
             </a:r>
             <a:r>
-              <a:rPr lang="es-ES" dirty="0" err="1" smtClean="0"/>
+              <a:rPr lang="es-ES" sz="3700" dirty="0" err="1" smtClean="0"/>
               <a:t>Threading</a:t>
             </a:r>
-            <a:endParaRPr lang="es-ES" dirty="0" smtClean="0"/>
+            <a:endParaRPr lang="es-ES" sz="3700" dirty="0" smtClean="0"/>
           </a:p>
           <a:p>
             <a:pPr lvl="2"/>
             <a:r>
-              <a:rPr lang="es-ES" dirty="0" smtClean="0"/>
+              <a:rPr lang="es-ES" sz="3700" dirty="0" smtClean="0"/>
               <a:t>LINQ</a:t>
             </a:r>
           </a:p>
           <a:p>
             <a:pPr lvl="2"/>
             <a:r>
-              <a:rPr lang="es-ES" dirty="0" smtClean="0"/>
+              <a:rPr lang="es-ES" sz="3700" dirty="0" smtClean="0"/>
               <a:t>WCF</a:t>
             </a:r>
           </a:p>
           <a:p>
             <a:pPr lvl="1"/>
             <a:r>
-              <a:rPr lang="es-ES" dirty="0" err="1" smtClean="0"/>
+              <a:rPr lang="es-ES" sz="3700" dirty="0" err="1" smtClean="0"/>
               <a:t>Subversion</a:t>
             </a:r>
-            <a:endParaRPr lang="es-ES" dirty="0" smtClean="0"/>
-          </a:p>
-          <a:p>
-            <a:pPr lvl="1"/>
-            <a:r>
-              <a:rPr lang="es-ES" dirty="0" err="1" smtClean="0"/>
+            <a:endParaRPr lang="es-ES" sz="3700" dirty="0" smtClean="0"/>
+          </a:p>
+          <a:p>
+            <a:pPr lvl="1"/>
+            <a:r>
+              <a:rPr lang="es-ES" sz="3700" dirty="0" err="1" smtClean="0"/>
               <a:t>Clickonce</a:t>
             </a:r>
             <a:r>
-              <a:rPr lang="es-ES" dirty="0" smtClean="0"/>
+              <a:rPr lang="es-ES" sz="3700" dirty="0" smtClean="0"/>
               <a:t> </a:t>
             </a:r>
             <a:r>
-              <a:rPr lang="es-ES" dirty="0" err="1" smtClean="0"/>
+              <a:rPr lang="es-ES" sz="3700" dirty="0" err="1" smtClean="0"/>
               <a:t>Smart</a:t>
             </a:r>
             <a:r>
-              <a:rPr lang="es-ES" dirty="0" smtClean="0"/>
+              <a:rPr lang="es-ES" sz="3700" dirty="0" smtClean="0"/>
               <a:t> </a:t>
             </a:r>
             <a:r>
-              <a:rPr lang="es-ES" dirty="0" err="1" smtClean="0"/>
+              <a:rPr lang="es-ES" sz="3700" dirty="0" err="1" smtClean="0"/>
               <a:t>Client</a:t>
             </a:r>
-            <a:endParaRPr lang="es-ES" dirty="0" smtClean="0"/>
-          </a:p>
-          <a:p>
-            <a:pPr lvl="1"/>
-            <a:r>
-              <a:rPr lang="es-ES" dirty="0" smtClean="0"/>
+            <a:endParaRPr lang="es-ES" sz="3700" dirty="0" smtClean="0"/>
+          </a:p>
+          <a:p>
+            <a:pPr lvl="1"/>
+            <a:r>
+              <a:rPr lang="es-ES" sz="3700" dirty="0" smtClean="0"/>
               <a:t>SQL Server Compact </a:t>
             </a:r>
             <a:r>
-              <a:rPr lang="es-ES" dirty="0" err="1" smtClean="0"/>
+              <a:rPr lang="es-ES" sz="3700" dirty="0" err="1" smtClean="0"/>
               <a:t>Edition</a:t>
             </a:r>
             <a:r>
-              <a:rPr lang="es-ES" dirty="0" smtClean="0"/>
+              <a:rPr lang="es-ES" sz="3700" dirty="0" smtClean="0"/>
               <a:t>.</a:t>
             </a:r>
           </a:p>
           <a:p>
             <a:pPr lvl="1"/>
             <a:r>
-              <a:rPr lang="es-ES" dirty="0" smtClean="0"/>
-              <a:t>Visual Studio Express 2008</a:t>
-            </a:r>
-          </a:p>
-          <a:p>
-            <a:pPr lvl="1">
-              <a:buNone/>
-            </a:pPr>
-            <a:r>
-              <a:rPr lang="es-ES" dirty="0" smtClean="0"/>
+              <a:rPr lang="es-ES" sz="3700" dirty="0" smtClean="0"/>
+              <a:t>Visual Studio Express </a:t>
+            </a:r>
+            <a:r>
+              <a:rPr lang="es-ES" sz="3700" dirty="0" smtClean="0"/>
+              <a:t>2008</a:t>
+            </a:r>
+            <a:r>
+              <a:rPr lang="es-ES" sz="3700" dirty="0" smtClean="0"/>
               <a:t>		</a:t>
             </a:r>
           </a:p>
           <a:p>
             <a:r>
-              <a:rPr lang="es-ES" dirty="0" smtClean="0"/>
+              <a:rPr lang="es-ES" sz="3700" dirty="0" smtClean="0"/>
               <a:t>Desarrollo</a:t>
             </a:r>
           </a:p>
           <a:p>
             <a:pPr lvl="1"/>
             <a:r>
-              <a:rPr lang="es-ES" dirty="0" smtClean="0"/>
+              <a:rPr lang="es-ES" sz="3700" dirty="0" smtClean="0"/>
               <a:t>Estandarización de código</a:t>
             </a:r>
           </a:p>
           <a:p>
             <a:pPr lvl="1"/>
             <a:r>
-              <a:rPr lang="es-ES" dirty="0" smtClean="0"/>
+              <a:rPr lang="es-ES" sz="3700" dirty="0" smtClean="0"/>
               <a:t>Metodologías tradicionales</a:t>
             </a:r>
           </a:p>
           <a:p>
             <a:pPr lvl="1"/>
             <a:r>
-              <a:rPr lang="es-ES" dirty="0" smtClean="0"/>
+              <a:rPr lang="es-ES" sz="3700" dirty="0" smtClean="0"/>
               <a:t>Metodologías Agiles</a:t>
             </a:r>
           </a:p>
           <a:p>
             <a:pPr lvl="1"/>
             <a:r>
-              <a:rPr lang="es-ES" dirty="0" err="1" smtClean="0"/>
+              <a:rPr lang="es-ES" sz="3700" dirty="0" err="1" smtClean="0"/>
               <a:t>Refactoring</a:t>
             </a:r>
             <a:r>
-              <a:rPr lang="es-ES" dirty="0" smtClean="0"/>
+              <a:rPr lang="es-ES" sz="3700" dirty="0" smtClean="0"/>
               <a:t> </a:t>
             </a:r>
-            <a:endParaRPr lang="es-ES" dirty="0" smtClean="0"/>
-          </a:p>
-          <a:p>
-            <a:pPr lvl="1"/>
-            <a:r>
-              <a:rPr lang="es-ES" dirty="0" smtClean="0"/>
+          </a:p>
+          <a:p>
+            <a:pPr lvl="1"/>
+            <a:r>
+              <a:rPr lang="es-ES" sz="3700" dirty="0" smtClean="0"/>
               <a:t>Proceso llevado durante el proyecto</a:t>
             </a:r>
           </a:p>
           <a:p>
             <a:r>
-              <a:rPr lang="es-ES" dirty="0" smtClean="0"/>
+              <a:rPr lang="es-ES" sz="3700" dirty="0" smtClean="0"/>
               <a:t>Extensibilidad</a:t>
             </a:r>
           </a:p>
           <a:p>
             <a:pPr lvl="1"/>
             <a:r>
-              <a:rPr lang="es-ES" dirty="0" smtClean="0"/>
+              <a:rPr lang="es-ES" sz="3700" dirty="0" smtClean="0"/>
               <a:t>Repositorio centralizado (Gracias  a)</a:t>
             </a:r>
           </a:p>
           <a:p>
             <a:pPr lvl="1"/>
             <a:r>
-              <a:rPr lang="es-ES" dirty="0" smtClean="0"/>
+              <a:rPr lang="es-ES" sz="3700" dirty="0" smtClean="0"/>
               <a:t>Nuevos Equipos</a:t>
             </a:r>
           </a:p>
           <a:p>
             <a:pPr lvl="1"/>
             <a:r>
-              <a:rPr lang="es-ES" dirty="0" smtClean="0"/>
+              <a:rPr lang="es-ES" sz="3700" dirty="0" smtClean="0"/>
               <a:t>Nuevo Protocolos</a:t>
             </a:r>
           </a:p>
           <a:p>
             <a:pPr lvl="1"/>
             <a:r>
-              <a:rPr lang="es-ES" dirty="0" smtClean="0"/>
+              <a:rPr lang="es-ES" sz="3700" dirty="0" smtClean="0"/>
               <a:t>Especialización en equipos y protocolos</a:t>
             </a:r>
           </a:p>
           <a:p>
             <a:pPr lvl="1"/>
             <a:r>
-              <a:rPr lang="es-ES" dirty="0" smtClean="0"/>
+              <a:rPr lang="es-ES" sz="3700" dirty="0" smtClean="0"/>
               <a:t>Nuevos Clientes de Base de Datos</a:t>
             </a:r>
           </a:p>
           <a:p>
             <a:pPr lvl="1"/>
             <a:r>
-              <a:rPr lang="es-ES" dirty="0" smtClean="0"/>
+              <a:rPr lang="es-ES" sz="3700" dirty="0" smtClean="0"/>
               <a:t>Nuevas Visualizaciones (WPF WEB)</a:t>
             </a:r>
           </a:p>
           <a:p>
             <a:pPr lvl="1"/>
             <a:r>
-              <a:rPr lang="es-ES" dirty="0" smtClean="0"/>
+              <a:rPr lang="es-ES" sz="3700" dirty="0" smtClean="0"/>
               <a:t>Comunicación entre equipos (SOA)</a:t>
             </a:r>
           </a:p>
           <a:p>
             <a:r>
-              <a:rPr lang="es-ES" dirty="0" err="1" smtClean="0"/>
+              <a:rPr lang="es-ES" sz="3700" dirty="0" err="1" smtClean="0"/>
               <a:t>Documentacion</a:t>
             </a:r>
             <a:r>
-              <a:rPr lang="es-ES" dirty="0" smtClean="0"/>
+              <a:rPr lang="es-ES" sz="3700" dirty="0" smtClean="0"/>
               <a:t> y mantenimiento de la herramienta</a:t>
             </a:r>
           </a:p>
           <a:p>
             <a:pPr lvl="1"/>
             <a:r>
-              <a:rPr lang="es-ES" dirty="0" err="1" smtClean="0"/>
+              <a:rPr lang="es-ES" sz="3700" dirty="0" err="1" smtClean="0"/>
               <a:t>Gestion</a:t>
             </a:r>
             <a:r>
-              <a:rPr lang="es-ES" dirty="0" smtClean="0"/>
+              <a:rPr lang="es-ES" sz="3700" dirty="0" smtClean="0"/>
               <a:t> del producto</a:t>
             </a:r>
           </a:p>
           <a:p>
-            <a:pPr lvl="1"/>
-            <a:r>
-              <a:rPr lang="es-ES" dirty="0" smtClean="0"/>
+            <a:pPr lvl="1" algn="just"/>
+            <a:r>
+              <a:rPr lang="es-ES" sz="3700" dirty="0" smtClean="0"/>
               <a:t>Material Audiovisual</a:t>
             </a:r>
           </a:p>
           <a:p>
             <a:pPr lvl="1"/>
             <a:r>
-              <a:rPr lang="es-ES" dirty="0" smtClean="0"/>
+              <a:rPr lang="es-ES" sz="3700" dirty="0" smtClean="0"/>
               <a:t>FAQ</a:t>
             </a:r>
           </a:p>
           <a:p>
             <a:pPr lvl="1"/>
             <a:r>
-              <a:rPr lang="es-ES" dirty="0" smtClean="0"/>
+              <a:rPr lang="es-ES" sz="3700" dirty="0" smtClean="0"/>
               <a:t>BUG </a:t>
             </a:r>
             <a:r>
-              <a:rPr lang="es-ES" dirty="0" err="1" smtClean="0"/>
+              <a:rPr lang="es-ES" sz="3700" dirty="0" err="1" smtClean="0"/>
               <a:t>Report</a:t>
             </a:r>
-            <a:endParaRPr lang="es-ES" dirty="0" smtClean="0"/>
-          </a:p>
-          <a:p>
-            <a:pPr lvl="1"/>
-            <a:r>
-              <a:rPr lang="es-ES" dirty="0" smtClean="0"/>
+            <a:endParaRPr lang="es-ES" sz="3700" dirty="0" smtClean="0"/>
+          </a:p>
+          <a:p>
+            <a:pPr lvl="1"/>
+            <a:r>
+              <a:rPr lang="es-ES" sz="3700" dirty="0" smtClean="0"/>
               <a:t>Foros</a:t>
             </a:r>
           </a:p>
           <a:p>
             <a:pPr lvl="1"/>
             <a:r>
-              <a:rPr lang="es-ES" dirty="0" err="1" smtClean="0"/>
+              <a:rPr lang="es-ES" sz="3700" dirty="0" err="1" smtClean="0"/>
               <a:t>Peticion</a:t>
             </a:r>
             <a:r>
-              <a:rPr lang="es-ES" dirty="0" smtClean="0"/>
-              <a:t> de nuevas funcionalidades</a:t>
-            </a:r>
-          </a:p>
-          <a:p>
-            <a:pPr lvl="1"/>
-            <a:endParaRPr lang="es-ES" dirty="0" smtClean="0"/>
-          </a:p>
-          <a:p>
-            <a:r>
-              <a:rPr lang="es-ES" dirty="0" smtClean="0"/>
+              <a:rPr lang="es-ES" sz="3700" dirty="0" smtClean="0"/>
+              <a:t> de nuevas </a:t>
+            </a:r>
+            <a:r>
+              <a:rPr lang="es-ES" sz="3700" dirty="0" smtClean="0"/>
+              <a:t>funcionalidades</a:t>
+            </a:r>
+            <a:endParaRPr lang="es-ES" sz="3700" dirty="0" smtClean="0"/>
+          </a:p>
+          <a:p>
+            <a:r>
+              <a:rPr lang="es-ES" sz="3700" dirty="0" smtClean="0"/>
               <a:t>Expectativas  de la </a:t>
             </a:r>
             <a:r>
-              <a:rPr lang="es-ES" dirty="0" err="1" smtClean="0"/>
+              <a:rPr lang="es-ES" sz="3700" dirty="0" err="1" smtClean="0"/>
               <a:t>solucion</a:t>
             </a:r>
             <a:r>
-              <a:rPr lang="es-ES" dirty="0" smtClean="0"/>
+              <a:rPr lang="es-ES" sz="3700" dirty="0" smtClean="0"/>
               <a:t> de </a:t>
             </a:r>
             <a:r>
-              <a:rPr lang="es-ES" dirty="0" err="1" smtClean="0"/>
+              <a:rPr lang="es-ES" sz="3700" dirty="0" err="1" smtClean="0"/>
               <a:t>simulacion</a:t>
             </a:r>
             <a:r>
-              <a:rPr lang="es-ES" dirty="0" smtClean="0"/>
+              <a:rPr lang="es-ES" sz="3700" dirty="0" smtClean="0"/>
               <a:t>:</a:t>
             </a:r>
           </a:p>
           <a:p>
             <a:r>
-              <a:rPr lang="es-ES" dirty="0" err="1" smtClean="0"/>
+              <a:rPr lang="es-ES" sz="3700" dirty="0" err="1" smtClean="0"/>
               <a:t>Comparacion</a:t>
             </a:r>
             <a:r>
-              <a:rPr lang="es-ES" dirty="0" smtClean="0"/>
+              <a:rPr lang="es-ES" sz="3700" dirty="0" smtClean="0"/>
               <a:t> con otros simuladores</a:t>
             </a:r>
           </a:p>
           <a:p>
             <a:pPr lvl="1"/>
             <a:r>
-              <a:rPr lang="es-ES" dirty="0" smtClean="0"/>
+              <a:rPr lang="es-ES" sz="3700" dirty="0" smtClean="0"/>
               <a:t>Personalizable dependiendo del cliente.</a:t>
             </a:r>
           </a:p>
           <a:p>
             <a:pPr lvl="1"/>
             <a:r>
-              <a:rPr lang="es-ES" dirty="0" smtClean="0"/>
+              <a:rPr lang="es-ES" sz="3700" dirty="0" smtClean="0"/>
               <a:t>Localidad </a:t>
             </a:r>
             <a:r>
-              <a:rPr lang="es-ES" dirty="0" err="1" smtClean="0"/>
+              <a:rPr lang="es-ES" sz="3700" dirty="0" err="1" smtClean="0"/>
               <a:t>geografica</a:t>
             </a:r>
-            <a:endParaRPr lang="es-ES" dirty="0" smtClean="0"/>
-          </a:p>
-          <a:p>
-            <a:pPr lvl="1"/>
-            <a:r>
-              <a:rPr lang="es-ES" dirty="0" smtClean="0"/>
+            <a:endParaRPr lang="es-ES" sz="3700" dirty="0" smtClean="0"/>
+          </a:p>
+          <a:p>
+            <a:pPr lvl="1"/>
+            <a:r>
+              <a:rPr lang="es-ES" sz="3700" dirty="0" smtClean="0"/>
               <a:t>Precio</a:t>
             </a:r>
           </a:p>
           <a:p>
             <a:pPr lvl="1"/>
             <a:r>
-              <a:rPr lang="es-ES" dirty="0" err="1" smtClean="0"/>
+              <a:rPr lang="es-ES" sz="3700" dirty="0" err="1" smtClean="0"/>
               <a:t>Virtualizacion</a:t>
             </a:r>
-            <a:endParaRPr lang="es-ES" dirty="0" smtClean="0"/>
-          </a:p>
-          <a:p>
-            <a:pPr lvl="1"/>
-            <a:r>
-              <a:rPr lang="es-ES" dirty="0" smtClean="0"/>
+            <a:endParaRPr lang="es-ES" sz="3700" dirty="0" smtClean="0"/>
+          </a:p>
+          <a:p>
+            <a:pPr lvl="1"/>
+            <a:r>
+              <a:rPr lang="es-ES" sz="3700" dirty="0" smtClean="0"/>
               <a:t>Enfoque Educativo</a:t>
             </a:r>
           </a:p>
           <a:p>
             <a:pPr lvl="1"/>
             <a:r>
-              <a:rPr lang="es-ES" dirty="0" err="1" smtClean="0"/>
+              <a:rPr lang="es-ES" sz="3700" dirty="0" err="1" smtClean="0"/>
               <a:t>MultiVendor</a:t>
             </a:r>
-            <a:endParaRPr lang="es-ES" dirty="0" smtClean="0"/>
-          </a:p>
-          <a:p>
-            <a:pPr lvl="1"/>
-            <a:endParaRPr lang="es-ES" dirty="0" smtClean="0"/>
-          </a:p>
-          <a:p>
-            <a:endParaRPr lang="es-ES" dirty="0" smtClean="0"/>
-          </a:p>
-          <a:p>
-            <a:pPr lvl="1">
-              <a:buNone/>
-            </a:pPr>
-            <a:endParaRPr lang="es-ES" dirty="0" smtClean="0"/>
-          </a:p>
-          <a:p>
-            <a:r>
-              <a:rPr lang="es-ES" dirty="0" err="1" smtClean="0"/>
+            <a:endParaRPr lang="es-ES" sz="3700" dirty="0" smtClean="0"/>
+          </a:p>
+          <a:p>
+            <a:r>
+              <a:rPr lang="es-ES" sz="3700" dirty="0" err="1" smtClean="0"/>
               <a:t>RoadMap</a:t>
             </a:r>
             <a:r>
-              <a:rPr lang="es-ES" dirty="0" smtClean="0"/>
+              <a:rPr lang="es-ES" sz="3700" dirty="0" smtClean="0"/>
               <a:t> Educativo:</a:t>
             </a:r>
           </a:p>
           <a:p>
             <a:pPr lvl="1"/>
             <a:r>
-              <a:rPr lang="es-ES" dirty="0" smtClean="0"/>
+              <a:rPr lang="es-ES" sz="3700" dirty="0" smtClean="0"/>
               <a:t>E-</a:t>
             </a:r>
             <a:r>
-              <a:rPr lang="es-ES" dirty="0" err="1" smtClean="0"/>
+              <a:rPr lang="es-ES" sz="3700" dirty="0" err="1" smtClean="0"/>
               <a:t>Learning</a:t>
             </a:r>
-            <a:endParaRPr lang="es-ES" dirty="0" smtClean="0"/>
-          </a:p>
-          <a:p>
-            <a:pPr lvl="1"/>
-            <a:r>
-              <a:rPr lang="es-ES" dirty="0" smtClean="0"/>
+            <a:endParaRPr lang="es-ES" sz="3700" dirty="0" smtClean="0"/>
+          </a:p>
+          <a:p>
+            <a:pPr lvl="1"/>
+            <a:r>
+              <a:rPr lang="es-ES" sz="3700" dirty="0" smtClean="0"/>
               <a:t>Especialización de protocolos</a:t>
             </a:r>
           </a:p>
           <a:p>
             <a:pPr lvl="1"/>
             <a:r>
-              <a:rPr lang="es-ES" dirty="0" smtClean="0"/>
+              <a:rPr lang="es-ES" sz="3700" dirty="0" smtClean="0"/>
               <a:t>Especialización de equipos</a:t>
             </a:r>
           </a:p>
           <a:p>
             <a:pPr lvl="1"/>
             <a:r>
-              <a:rPr lang="es-ES" dirty="0" smtClean="0"/>
+              <a:rPr lang="es-ES" sz="3700" dirty="0" smtClean="0"/>
               <a:t>Ayudas y tutoriales integrados.</a:t>
             </a:r>
           </a:p>
           <a:p>
             <a:pPr lvl="1"/>
             <a:r>
-              <a:rPr lang="es-ES" dirty="0" smtClean="0"/>
+              <a:rPr lang="es-ES" sz="3700" dirty="0" smtClean="0"/>
               <a:t>Laboratorios asistidos.</a:t>
             </a:r>
           </a:p>
           <a:p>
             <a:pPr lvl="1"/>
             <a:r>
-              <a:rPr lang="es-ES" dirty="0" smtClean="0"/>
+              <a:rPr lang="es-ES" sz="3700" dirty="0" smtClean="0"/>
               <a:t>Generación de reportes y análisis de tráfico</a:t>
             </a:r>
           </a:p>
           <a:p>
             <a:pPr lvl="1"/>
             <a:r>
-              <a:rPr lang="es-ES" dirty="0" smtClean="0"/>
+              <a:rPr lang="es-ES" sz="3700" dirty="0" smtClean="0"/>
               <a:t>Evaluaciones integradas.</a:t>
             </a:r>
           </a:p>
           <a:p>
             <a:pPr lvl="1"/>
             <a:r>
-              <a:rPr lang="es-ES" dirty="0" smtClean="0"/>
+              <a:rPr lang="es-ES" sz="3700" dirty="0" smtClean="0"/>
               <a:t>Desarrollos especializados en </a:t>
             </a:r>
             <a:r>
-              <a:rPr lang="es-ES" dirty="0" err="1" smtClean="0"/>
+              <a:rPr lang="es-ES" sz="3700" dirty="0" err="1" smtClean="0"/>
               <a:t>virtualización</a:t>
             </a:r>
             <a:r>
-              <a:rPr lang="es-ES" dirty="0" smtClean="0"/>
+              <a:rPr lang="es-ES" sz="3700" dirty="0" smtClean="0"/>
               <a:t> (</a:t>
             </a:r>
             <a:r>
-              <a:rPr lang="es-ES" dirty="0" err="1" smtClean="0"/>
+              <a:rPr lang="es-ES" sz="3700" dirty="0" err="1" smtClean="0"/>
               <a:t>AudioVisual</a:t>
             </a:r>
             <a:r>
-              <a:rPr lang="es-ES" dirty="0" smtClean="0"/>
+              <a:rPr lang="es-ES" sz="3700" dirty="0" smtClean="0"/>
               <a:t>, chat, </a:t>
             </a:r>
             <a:r>
-              <a:rPr lang="es-ES" dirty="0" err="1" smtClean="0"/>
+              <a:rPr lang="es-ES" sz="3700" dirty="0" err="1" smtClean="0"/>
               <a:t>etc</a:t>
             </a:r>
             <a:r>
-              <a:rPr lang="es-ES" dirty="0" smtClean="0"/>
+              <a:rPr lang="es-ES" sz="3700" dirty="0" smtClean="0"/>
               <a:t>)</a:t>
             </a:r>
           </a:p>
           <a:p>
             <a:pPr lvl="1"/>
             <a:r>
-              <a:rPr lang="es-ES" dirty="0" smtClean="0"/>
+              <a:rPr lang="es-ES" sz="3700" dirty="0" smtClean="0"/>
               <a:t>Vista WEB de la red</a:t>
             </a:r>
           </a:p>
           <a:p>
             <a:pPr lvl="1"/>
             <a:r>
-              <a:rPr lang="es-ES" dirty="0" smtClean="0"/>
+              <a:rPr lang="es-ES" sz="3700" dirty="0" smtClean="0"/>
               <a:t>IPV6</a:t>
             </a:r>
           </a:p>
           <a:p>
             <a:pPr lvl="1"/>
             <a:r>
-              <a:rPr lang="es-ES" dirty="0" smtClean="0"/>
+              <a:rPr lang="es-ES" sz="3700" dirty="0" smtClean="0"/>
               <a:t>Suite de Simulación:</a:t>
             </a:r>
           </a:p>
           <a:p>
             <a:pPr lvl="2"/>
             <a:r>
-              <a:rPr lang="es-ES" dirty="0" smtClean="0"/>
+              <a:rPr lang="es-ES" sz="3700" dirty="0" smtClean="0"/>
               <a:t>Arquitectura de Procesadores</a:t>
             </a:r>
           </a:p>
           <a:p>
             <a:pPr lvl="2"/>
             <a:r>
-              <a:rPr lang="es-ES" dirty="0" smtClean="0"/>
+              <a:rPr lang="es-ES" sz="3700" dirty="0" smtClean="0"/>
               <a:t>Materiales e instrumentos electrónicos</a:t>
             </a:r>
           </a:p>
           <a:p>
             <a:pPr lvl="2"/>
             <a:r>
-              <a:rPr lang="es-ES" dirty="0" err="1" smtClean="0"/>
+              <a:rPr lang="es-ES" sz="3700" dirty="0" err="1" smtClean="0"/>
               <a:t>Next</a:t>
             </a:r>
             <a:r>
-              <a:rPr lang="es-ES" dirty="0" smtClean="0"/>
+              <a:rPr lang="es-ES" sz="3700" dirty="0" smtClean="0"/>
               <a:t> </a:t>
             </a:r>
             <a:r>
-              <a:rPr lang="es-ES" dirty="0" err="1" smtClean="0"/>
+              <a:rPr lang="es-ES" sz="3700" dirty="0" err="1" smtClean="0"/>
               <a:t>Generation</a:t>
             </a:r>
             <a:r>
-              <a:rPr lang="es-ES" dirty="0" smtClean="0"/>
+              <a:rPr lang="es-ES" sz="3700" dirty="0" smtClean="0"/>
               <a:t> Networks</a:t>
             </a:r>
           </a:p>
           <a:p>
             <a:r>
-              <a:rPr lang="es-ES" dirty="0" err="1" smtClean="0"/>
+              <a:rPr lang="es-ES" sz="3700" dirty="0" err="1" smtClean="0"/>
               <a:t>RoadMap</a:t>
             </a:r>
             <a:r>
-              <a:rPr lang="es-ES" dirty="0" smtClean="0"/>
+              <a:rPr lang="es-ES" sz="3700" dirty="0" smtClean="0"/>
               <a:t> Empresarial</a:t>
             </a:r>
           </a:p>
           <a:p>
             <a:pPr lvl="1"/>
             <a:r>
-              <a:rPr lang="es-ES" dirty="0" smtClean="0"/>
+              <a:rPr lang="es-ES" sz="3700" dirty="0" smtClean="0"/>
               <a:t>Aprovisionamiento e Inventario de equipos y protocolos.</a:t>
             </a:r>
           </a:p>
           <a:p>
             <a:pPr lvl="1"/>
             <a:r>
-              <a:rPr lang="es-ES" dirty="0" smtClean="0"/>
+              <a:rPr lang="es-ES" sz="3700" dirty="0" smtClean="0"/>
               <a:t>Posicionamiento </a:t>
             </a:r>
             <a:r>
-              <a:rPr lang="es-ES" dirty="0" err="1" smtClean="0"/>
+              <a:rPr lang="es-ES" sz="3700" dirty="0" err="1" smtClean="0"/>
               <a:t>Georeferenciado</a:t>
             </a:r>
             <a:r>
-              <a:rPr lang="es-ES" dirty="0" smtClean="0"/>
+              <a:rPr lang="es-ES" sz="3700" dirty="0" smtClean="0"/>
               <a:t> de estaciones (</a:t>
             </a:r>
             <a:r>
-              <a:rPr lang="es-ES" dirty="0" err="1" smtClean="0"/>
+              <a:rPr lang="es-ES" sz="3700" dirty="0" err="1" smtClean="0"/>
               <a:t>SharpMap</a:t>
             </a:r>
             <a:r>
-              <a:rPr lang="es-ES" dirty="0" smtClean="0"/>
+              <a:rPr lang="es-ES" sz="3700" dirty="0" smtClean="0"/>
               <a:t>)</a:t>
             </a:r>
           </a:p>
           <a:p>
             <a:pPr lvl="1"/>
             <a:r>
-              <a:rPr lang="es-ES" dirty="0" smtClean="0"/>
+              <a:rPr lang="es-ES" sz="3700" dirty="0" smtClean="0"/>
               <a:t>Topología de la red de un operador de redes de Datos.</a:t>
             </a:r>
           </a:p>
           <a:p>
             <a:pPr lvl="1"/>
             <a:r>
-              <a:rPr lang="es-ES" dirty="0" smtClean="0"/>
+              <a:rPr lang="es-ES" sz="3700" dirty="0" smtClean="0"/>
               <a:t>Comunicación y sincronización con equipos(SNMP SSH </a:t>
             </a:r>
             <a:r>
-              <a:rPr lang="es-ES" dirty="0" err="1" smtClean="0"/>
+              <a:rPr lang="es-ES" sz="3700" dirty="0" err="1" smtClean="0"/>
               <a:t>TelNet</a:t>
             </a:r>
             <a:r>
-              <a:rPr lang="es-ES" dirty="0" smtClean="0"/>
+              <a:rPr lang="es-ES" sz="3700" dirty="0" smtClean="0"/>
               <a:t>) </a:t>
             </a:r>
             <a:r>
-              <a:rPr lang="es-ES" dirty="0" err="1" smtClean="0"/>
+              <a:rPr lang="es-ES" sz="3700" dirty="0" err="1" smtClean="0"/>
               <a:t>via</a:t>
             </a:r>
             <a:r>
-              <a:rPr lang="es-ES" dirty="0" smtClean="0"/>
+              <a:rPr lang="es-ES" sz="3700" dirty="0" smtClean="0"/>
               <a:t> SOA</a:t>
             </a:r>
           </a:p>
           <a:p>
             <a:pPr lvl="1"/>
             <a:r>
-              <a:rPr lang="es-ES" dirty="0" err="1" smtClean="0"/>
+              <a:rPr lang="es-ES" sz="3700" dirty="0" err="1" smtClean="0"/>
               <a:t>WorkFlow</a:t>
             </a:r>
             <a:r>
-              <a:rPr lang="es-ES" dirty="0" smtClean="0"/>
+              <a:rPr lang="es-ES" sz="3700" dirty="0" smtClean="0"/>
               <a:t> de Procesos.</a:t>
             </a:r>
           </a:p>
           <a:p>
             <a:pPr lvl="1"/>
             <a:r>
-              <a:rPr lang="es-ES" dirty="0" smtClean="0"/>
+              <a:rPr lang="es-ES" sz="3700" dirty="0" smtClean="0"/>
               <a:t>Planeación de la red.</a:t>
             </a:r>
           </a:p>
           <a:p>
             <a:pPr lvl="1"/>
             <a:r>
-              <a:rPr lang="es-ES" dirty="0" smtClean="0"/>
+              <a:rPr lang="es-ES" sz="3700" dirty="0" smtClean="0"/>
               <a:t>Análisis y reportes gerenciales de la red</a:t>
             </a:r>
           </a:p>
           <a:p>
             <a:pPr lvl="1"/>
             <a:r>
-              <a:rPr lang="es-ES" dirty="0" smtClean="0"/>
+              <a:rPr lang="es-ES" sz="3700" dirty="0" smtClean="0"/>
               <a:t>Conexión a motores de bases de datos empresariales</a:t>
             </a:r>
           </a:p>
           <a:p>
             <a:r>
-              <a:rPr lang="es-ES" dirty="0" smtClean="0"/>
+              <a:rPr lang="es-ES" sz="3700" dirty="0" smtClean="0"/>
               <a:t>Conclusiones</a:t>
             </a:r>
           </a:p>
           <a:p>
             <a:r>
-              <a:rPr lang="es-ES" dirty="0" smtClean="0"/>
+              <a:rPr lang="es-ES" sz="3700" dirty="0" smtClean="0"/>
               <a:t>Preguntas</a:t>
             </a:r>
           </a:p>
           <a:p>
             <a:pPr lvl="1"/>
-            <a:endParaRPr lang="es-ES" dirty="0"/>
+            <a:endParaRPr lang="es-ES" sz="3700" dirty="0"/>
           </a:p>
           <a:p>
             <a:pPr lvl="1">
